--- a/src/sym/syme-intro.pptx
+++ b/src/sym/syme-intro.pptx
@@ -5,40 +5,40 @@
     <p:sldMasterId id="2147483648" r:id="rId1"/>
   </p:sldMasterIdLst>
   <p:notesMasterIdLst>
-    <p:notesMasterId r:id="rId29"/>
+    <p:notesMasterId r:id="rId28"/>
   </p:notesMasterIdLst>
   <p:sldIdLst>
-    <p:sldId id="256" r:id="rId3"/>
-    <p:sldId id="257" r:id="rId4"/>
-    <p:sldId id="258" r:id="rId5"/>
-    <p:sldId id="259" r:id="rId6"/>
-    <p:sldId id="260" r:id="rId7"/>
-    <p:sldId id="261" r:id="rId8"/>
-    <p:sldId id="262" r:id="rId9"/>
-    <p:sldId id="263" r:id="rId10"/>
-    <p:sldId id="264" r:id="rId11"/>
-    <p:sldId id="265" r:id="rId12"/>
-    <p:sldId id="266" r:id="rId13"/>
-    <p:sldId id="267" r:id="rId14"/>
-    <p:sldId id="268" r:id="rId15"/>
-    <p:sldId id="269" r:id="rId16"/>
-    <p:sldId id="270" r:id="rId17"/>
-    <p:sldId id="271" r:id="rId18"/>
-    <p:sldId id="272" r:id="rId19"/>
-    <p:sldId id="273" r:id="rId20"/>
-    <p:sldId id="274" r:id="rId21"/>
-    <p:sldId id="275" r:id="rId22"/>
-    <p:sldId id="276" r:id="rId23"/>
-    <p:sldId id="277" r:id="rId24"/>
-    <p:sldId id="278" r:id="rId25"/>
-    <p:sldId id="279" r:id="rId26"/>
-    <p:sldId id="280" r:id="rId27"/>
-    <p:sldId id="281" r:id="rId28"/>
+    <p:sldId id="256" r:id="rId2"/>
+    <p:sldId id="257" r:id="rId3"/>
+    <p:sldId id="258" r:id="rId4"/>
+    <p:sldId id="259" r:id="rId5"/>
+    <p:sldId id="260" r:id="rId6"/>
+    <p:sldId id="261" r:id="rId7"/>
+    <p:sldId id="262" r:id="rId8"/>
+    <p:sldId id="263" r:id="rId9"/>
+    <p:sldId id="264" r:id="rId10"/>
+    <p:sldId id="265" r:id="rId11"/>
+    <p:sldId id="266" r:id="rId12"/>
+    <p:sldId id="267" r:id="rId13"/>
+    <p:sldId id="268" r:id="rId14"/>
+    <p:sldId id="269" r:id="rId15"/>
+    <p:sldId id="270" r:id="rId16"/>
+    <p:sldId id="271" r:id="rId17"/>
+    <p:sldId id="272" r:id="rId18"/>
+    <p:sldId id="273" r:id="rId19"/>
+    <p:sldId id="274" r:id="rId20"/>
+    <p:sldId id="275" r:id="rId21"/>
+    <p:sldId id="276" r:id="rId22"/>
+    <p:sldId id="277" r:id="rId23"/>
+    <p:sldId id="278" r:id="rId24"/>
+    <p:sldId id="279" r:id="rId25"/>
+    <p:sldId id="280" r:id="rId26"/>
+    <p:sldId id="281" r:id="rId27"/>
   </p:sldIdLst>
   <p:sldSz cx="13004800" cy="9753600"/>
   <p:notesSz cx="6858000" cy="9144000"/>
   <p:custDataLst>
-    <p:tags r:id="rId33"/>
+    <p:tags r:id="rId29"/>
   </p:custDataLst>
   <p:defaultTextStyle>
     <a:defPPr marL="0" marR="0" indent="0" algn="l" defTabSz="914400" rtl="0" fontAlgn="auto" latinLnBrk="1" hangingPunct="0">
@@ -356,7 +356,9 @@
       <p:sp>
         <p:nvSpPr>
           <p:cNvPr id="131" name="Shape 131"/>
-          <p:cNvSpPr/>
+          <p:cNvSpPr>
+            <a:spLocks noGrp="1" noRot="1" noChangeAspect="1"/>
+          </p:cNvSpPr>
           <p:nvPr>
             <p:ph type="sldImg"/>
           </p:nvPr>
@@ -373,13 +375,17 @@
         <p:txBody>
           <a:bodyPr/>
           <a:lstStyle/>
-          <a:p/>
+          <a:p>
+            <a:endParaRPr/>
+          </a:p>
         </p:txBody>
       </p:sp>
       <p:sp>
         <p:nvSpPr>
           <p:cNvPr id="132" name="Shape 132"/>
-          <p:cNvSpPr/>
+          <p:cNvSpPr>
+            <a:spLocks noGrp="1"/>
+          </p:cNvSpPr>
           <p:nvPr>
             <p:ph type="body" sz="quarter" idx="1"/>
           </p:nvPr>
@@ -396,7 +402,9 @@
         <p:txBody>
           <a:bodyPr/>
           <a:lstStyle/>
-          <a:p/>
+          <a:p>
+            <a:endParaRPr/>
+          </a:p>
         </p:txBody>
       </p:sp>
     </p:spTree>
@@ -480,7 +488,7 @@
 </file>
 
 <file path=ppt/slideLayouts/slideLayout1.xml><?xml version="1.0" encoding="utf-8"?>
-<p:sldLayout xmlns:a="http://schemas.openxmlformats.org/drawingml/2006/main" xmlns:r="http://schemas.openxmlformats.org/officeDocument/2006/relationships" xmlns:p="http://schemas.openxmlformats.org/presentationml/2006/main" type="title" showMasterSp="0">
+<p:sldLayout xmlns:a="http://schemas.openxmlformats.org/drawingml/2006/main" xmlns:r="http://schemas.openxmlformats.org/officeDocument/2006/relationships" xmlns:p="http://schemas.openxmlformats.org/presentationml/2006/main" showMasterSp="0" type="title">
   <p:cSld name="标题幻灯片">
     <p:spTree>
       <p:nvGrpSpPr>
@@ -499,7 +507,9 @@
       <p:sp>
         <p:nvSpPr>
           <p:cNvPr id="15" name="标题文本"/>
-          <p:cNvSpPr txBox="1"/>
+          <p:cNvSpPr txBox="1">
+            <a:spLocks noGrp="1"/>
+          </p:cNvSpPr>
           <p:nvPr>
             <p:ph type="title" hasCustomPrompt="1"/>
           </p:nvPr>
@@ -530,7 +540,9 @@
       <p:sp>
         <p:nvSpPr>
           <p:cNvPr id="16" name="正文级别 1…"/>
-          <p:cNvSpPr txBox="1"/>
+          <p:cNvSpPr txBox="1">
+            <a:spLocks noGrp="1"/>
+          </p:cNvSpPr>
           <p:nvPr>
             <p:ph type="body" sz="quarter" idx="1" hasCustomPrompt="1"/>
           </p:nvPr>
@@ -632,7 +644,9 @@
       <p:sp>
         <p:nvSpPr>
           <p:cNvPr id="17" name="幻灯片编号"/>
-          <p:cNvSpPr txBox="1"/>
+          <p:cNvSpPr txBox="1">
+            <a:spLocks noGrp="1"/>
+          </p:cNvSpPr>
           <p:nvPr>
             <p:ph type="sldNum" sz="quarter" idx="2"/>
           </p:nvPr>
@@ -648,6 +662,7 @@
           <a:p>
             <a:fld id="{86CB4B4D-7CA3-9044-876B-883B54F8677D}" type="slidenum">
               <a:rPr/>
+              <a:t>‹#›</a:t>
             </a:fld>
             <a:endParaRPr/>
           </a:p>
@@ -663,7 +678,7 @@
 </file>
 
 <file path=ppt/slideLayouts/slideLayout10.xml><?xml version="1.0" encoding="utf-8"?>
-<p:sldLayout xmlns:a="http://schemas.openxmlformats.org/drawingml/2006/main" xmlns:r="http://schemas.openxmlformats.org/officeDocument/2006/relationships" xmlns:p="http://schemas.openxmlformats.org/presentationml/2006/main" type="tx" showMasterSp="0">
+<p:sldLayout xmlns:a="http://schemas.openxmlformats.org/drawingml/2006/main" xmlns:r="http://schemas.openxmlformats.org/officeDocument/2006/relationships" xmlns:p="http://schemas.openxmlformats.org/presentationml/2006/main" showMasterSp="0" type="tx">
   <p:cSld name="标题和竖排文字">
     <p:spTree>
       <p:nvGrpSpPr>
@@ -682,7 +697,9 @@
       <p:sp>
         <p:nvSpPr>
           <p:cNvPr id="96" name="标题文本"/>
-          <p:cNvSpPr txBox="1"/>
+          <p:cNvSpPr txBox="1">
+            <a:spLocks noGrp="1"/>
+          </p:cNvSpPr>
           <p:nvPr>
             <p:ph type="title" hasCustomPrompt="1"/>
           </p:nvPr>
@@ -713,7 +730,9 @@
       <p:sp>
         <p:nvSpPr>
           <p:cNvPr id="97" name="正文级别 1…"/>
-          <p:cNvSpPr txBox="1"/>
+          <p:cNvSpPr txBox="1">
+            <a:spLocks noGrp="1"/>
+          </p:cNvSpPr>
           <p:nvPr>
             <p:ph type="body" idx="1" hasCustomPrompt="1"/>
           </p:nvPr>
@@ -780,7 +799,9 @@
       <p:sp>
         <p:nvSpPr>
           <p:cNvPr id="98" name="幻灯片编号"/>
-          <p:cNvSpPr txBox="1"/>
+          <p:cNvSpPr txBox="1">
+            <a:spLocks noGrp="1"/>
+          </p:cNvSpPr>
           <p:nvPr>
             <p:ph type="sldNum" sz="quarter" idx="2"/>
           </p:nvPr>
@@ -796,6 +817,7 @@
           <a:p>
             <a:fld id="{86CB4B4D-7CA3-9044-876B-883B54F8677D}" type="slidenum">
               <a:rPr/>
+              <a:t>‹#›</a:t>
             </a:fld>
             <a:endParaRPr/>
           </a:p>
@@ -811,7 +833,7 @@
 </file>
 
 <file path=ppt/slideLayouts/slideLayout11.xml><?xml version="1.0" encoding="utf-8"?>
-<p:sldLayout xmlns:a="http://schemas.openxmlformats.org/drawingml/2006/main" xmlns:r="http://schemas.openxmlformats.org/officeDocument/2006/relationships" xmlns:p="http://schemas.openxmlformats.org/presentationml/2006/main" type="tx" showMasterSp="0">
+<p:sldLayout xmlns:a="http://schemas.openxmlformats.org/drawingml/2006/main" xmlns:r="http://schemas.openxmlformats.org/officeDocument/2006/relationships" xmlns:p="http://schemas.openxmlformats.org/presentationml/2006/main" showMasterSp="0" type="tx">
   <p:cSld name="垂直排列标题与文本">
     <p:spTree>
       <p:nvGrpSpPr>
@@ -830,7 +852,9 @@
       <p:sp>
         <p:nvSpPr>
           <p:cNvPr id="105" name="标题文本"/>
-          <p:cNvSpPr txBox="1"/>
+          <p:cNvSpPr txBox="1">
+            <a:spLocks noGrp="1"/>
+          </p:cNvSpPr>
           <p:nvPr>
             <p:ph type="title" hasCustomPrompt="1"/>
           </p:nvPr>
@@ -861,7 +885,9 @@
       <p:sp>
         <p:nvSpPr>
           <p:cNvPr id="106" name="正文级别 1…"/>
-          <p:cNvSpPr txBox="1"/>
+          <p:cNvSpPr txBox="1">
+            <a:spLocks noGrp="1"/>
+          </p:cNvSpPr>
           <p:nvPr>
             <p:ph type="body" idx="1" hasCustomPrompt="1"/>
           </p:nvPr>
@@ -928,7 +954,9 @@
       <p:sp>
         <p:nvSpPr>
           <p:cNvPr id="107" name="幻灯片编号"/>
-          <p:cNvSpPr txBox="1"/>
+          <p:cNvSpPr txBox="1">
+            <a:spLocks noGrp="1"/>
+          </p:cNvSpPr>
           <p:nvPr>
             <p:ph type="sldNum" sz="quarter" idx="2"/>
           </p:nvPr>
@@ -944,6 +972,7 @@
           <a:p>
             <a:fld id="{86CB4B4D-7CA3-9044-876B-883B54F8677D}" type="slidenum">
               <a:rPr/>
+              <a:t>‹#›</a:t>
             </a:fld>
             <a:endParaRPr/>
           </a:p>
@@ -959,7 +988,7 @@
 </file>
 
 <file path=ppt/slideLayouts/slideLayout12.xml><?xml version="1.0" encoding="utf-8"?>
-<p:sldLayout xmlns:a="http://schemas.openxmlformats.org/drawingml/2006/main" xmlns:r="http://schemas.openxmlformats.org/officeDocument/2006/relationships" xmlns:p="http://schemas.openxmlformats.org/presentationml/2006/main" type="tx" showMasterSp="0">
+<p:sldLayout xmlns:a="http://schemas.openxmlformats.org/drawingml/2006/main" xmlns:r="http://schemas.openxmlformats.org/officeDocument/2006/relationships" xmlns:p="http://schemas.openxmlformats.org/presentationml/2006/main" showMasterSp="0" type="tx">
   <p:cSld name="标题与副标题">
     <p:bg>
       <p:bgPr>
@@ -986,7 +1015,9 @@
       <p:sp>
         <p:nvSpPr>
           <p:cNvPr id="114" name="标题文本"/>
-          <p:cNvSpPr txBox="1"/>
+          <p:cNvSpPr txBox="1">
+            <a:spLocks noGrp="1"/>
+          </p:cNvSpPr>
           <p:nvPr>
             <p:ph type="title" hasCustomPrompt="1"/>
           </p:nvPr>
@@ -1025,7 +1056,9 @@
       <p:sp>
         <p:nvSpPr>
           <p:cNvPr id="115" name="正文级别 1…"/>
-          <p:cNvSpPr txBox="1"/>
+          <p:cNvSpPr txBox="1">
+            <a:spLocks noGrp="1"/>
+          </p:cNvSpPr>
           <p:nvPr>
             <p:ph type="body" sz="quarter" idx="1" hasCustomPrompt="1"/>
           </p:nvPr>
@@ -1162,7 +1195,9 @@
       <p:sp>
         <p:nvSpPr>
           <p:cNvPr id="116" name="幻灯片编号"/>
-          <p:cNvSpPr txBox="1"/>
+          <p:cNvSpPr txBox="1">
+            <a:spLocks noGrp="1"/>
+          </p:cNvSpPr>
           <p:nvPr>
             <p:ph type="sldNum" sz="quarter" idx="2"/>
           </p:nvPr>
@@ -1194,6 +1229,7 @@
           <a:p>
             <a:fld id="{86CB4B4D-7CA3-9044-876B-883B54F8677D}" type="slidenum">
               <a:rPr/>
+              <a:t>‹#›</a:t>
             </a:fld>
             <a:endParaRPr/>
           </a:p>
@@ -1209,7 +1245,7 @@
 </file>
 
 <file path=ppt/slideLayouts/slideLayout13.xml><?xml version="1.0" encoding="utf-8"?>
-<p:sldLayout xmlns:a="http://schemas.openxmlformats.org/drawingml/2006/main" xmlns:r="http://schemas.openxmlformats.org/officeDocument/2006/relationships" xmlns:p="http://schemas.openxmlformats.org/presentationml/2006/main" type="tx" showMasterSp="0">
+<p:sldLayout xmlns:a="http://schemas.openxmlformats.org/drawingml/2006/main" xmlns:r="http://schemas.openxmlformats.org/officeDocument/2006/relationships" xmlns:p="http://schemas.openxmlformats.org/presentationml/2006/main" showMasterSp="0" type="tx">
   <p:cSld name="标题和内容">
     <p:bg>
       <p:bgPr>
@@ -1236,7 +1272,9 @@
       <p:sp>
         <p:nvSpPr>
           <p:cNvPr id="123" name="标题文本"/>
-          <p:cNvSpPr txBox="1"/>
+          <p:cNvSpPr txBox="1">
+            <a:spLocks noGrp="1"/>
+          </p:cNvSpPr>
           <p:nvPr>
             <p:ph type="title" hasCustomPrompt="1"/>
           </p:nvPr>
@@ -1275,7 +1313,9 @@
       <p:sp>
         <p:nvSpPr>
           <p:cNvPr id="124" name="正文级别 1…"/>
-          <p:cNvSpPr txBox="1"/>
+          <p:cNvSpPr txBox="1">
+            <a:spLocks noGrp="1"/>
+          </p:cNvSpPr>
           <p:nvPr>
             <p:ph type="body" idx="1" hasCustomPrompt="1"/>
           </p:nvPr>
@@ -1400,7 +1440,9 @@
       <p:sp>
         <p:nvSpPr>
           <p:cNvPr id="125" name="幻灯片编号"/>
-          <p:cNvSpPr txBox="1"/>
+          <p:cNvSpPr txBox="1">
+            <a:spLocks noGrp="1"/>
+          </p:cNvSpPr>
           <p:nvPr>
             <p:ph type="sldNum" sz="quarter" idx="2"/>
           </p:nvPr>
@@ -1429,6 +1471,7 @@
           <a:p>
             <a:fld id="{86CB4B4D-7CA3-9044-876B-883B54F8677D}" type="slidenum">
               <a:rPr/>
+              <a:t>‹#›</a:t>
             </a:fld>
             <a:endParaRPr/>
           </a:p>
@@ -1463,7 +1506,9 @@
       <p:sp>
         <p:nvSpPr>
           <p:cNvPr id="24" name="标题文本"/>
-          <p:cNvSpPr txBox="1"/>
+          <p:cNvSpPr txBox="1">
+            <a:spLocks noGrp="1"/>
+          </p:cNvSpPr>
           <p:nvPr>
             <p:ph type="title" hasCustomPrompt="1"/>
           </p:nvPr>
@@ -1486,7 +1531,9 @@
       <p:sp>
         <p:nvSpPr>
           <p:cNvPr id="25" name="正文级别 1…"/>
-          <p:cNvSpPr txBox="1"/>
+          <p:cNvSpPr txBox="1">
+            <a:spLocks noGrp="1"/>
+          </p:cNvSpPr>
           <p:nvPr>
             <p:ph type="body" idx="1" hasCustomPrompt="1"/>
           </p:nvPr>
@@ -1533,7 +1580,9 @@
       <p:sp>
         <p:nvSpPr>
           <p:cNvPr id="26" name="幻灯片编号"/>
-          <p:cNvSpPr txBox="1"/>
+          <p:cNvSpPr txBox="1">
+            <a:spLocks noGrp="1"/>
+          </p:cNvSpPr>
           <p:nvPr>
             <p:ph type="sldNum" sz="quarter" idx="2"/>
           </p:nvPr>
@@ -1549,6 +1598,7 @@
           <a:p>
             <a:fld id="{86CB4B4D-7CA3-9044-876B-883B54F8677D}" type="slidenum">
               <a:rPr/>
+              <a:t>‹#›</a:t>
             </a:fld>
             <a:endParaRPr/>
           </a:p>
@@ -1564,7 +1614,7 @@
 </file>
 
 <file path=ppt/slideLayouts/slideLayout3.xml><?xml version="1.0" encoding="utf-8"?>
-<p:sldLayout xmlns:a="http://schemas.openxmlformats.org/drawingml/2006/main" xmlns:r="http://schemas.openxmlformats.org/officeDocument/2006/relationships" xmlns:p="http://schemas.openxmlformats.org/presentationml/2006/main" type="tx" showMasterSp="0">
+<p:sldLayout xmlns:a="http://schemas.openxmlformats.org/drawingml/2006/main" xmlns:r="http://schemas.openxmlformats.org/officeDocument/2006/relationships" xmlns:p="http://schemas.openxmlformats.org/presentationml/2006/main" showMasterSp="0" type="tx">
   <p:cSld name="节标题">
     <p:spTree>
       <p:nvGrpSpPr>
@@ -1583,7 +1633,9 @@
       <p:sp>
         <p:nvSpPr>
           <p:cNvPr id="33" name="标题文本"/>
-          <p:cNvSpPr txBox="1"/>
+          <p:cNvSpPr txBox="1">
+            <a:spLocks noGrp="1"/>
+          </p:cNvSpPr>
           <p:nvPr>
             <p:ph type="title" hasCustomPrompt="1"/>
           </p:nvPr>
@@ -1614,7 +1666,9 @@
       <p:sp>
         <p:nvSpPr>
           <p:cNvPr id="34" name="正文级别 1…"/>
-          <p:cNvSpPr txBox="1"/>
+          <p:cNvSpPr txBox="1">
+            <a:spLocks noGrp="1"/>
+          </p:cNvSpPr>
           <p:nvPr>
             <p:ph type="body" sz="quarter" idx="1" hasCustomPrompt="1"/>
           </p:nvPr>
@@ -1731,7 +1785,9 @@
       <p:sp>
         <p:nvSpPr>
           <p:cNvPr id="35" name="幻灯片编号"/>
-          <p:cNvSpPr txBox="1"/>
+          <p:cNvSpPr txBox="1">
+            <a:spLocks noGrp="1"/>
+          </p:cNvSpPr>
           <p:nvPr>
             <p:ph type="sldNum" sz="quarter" idx="2"/>
           </p:nvPr>
@@ -1747,6 +1803,7 @@
           <a:p>
             <a:fld id="{86CB4B4D-7CA3-9044-876B-883B54F8677D}" type="slidenum">
               <a:rPr/>
+              <a:t>‹#›</a:t>
             </a:fld>
             <a:endParaRPr/>
           </a:p>
@@ -1762,7 +1819,7 @@
 </file>
 
 <file path=ppt/slideLayouts/slideLayout4.xml><?xml version="1.0" encoding="utf-8"?>
-<p:sldLayout xmlns:a="http://schemas.openxmlformats.org/drawingml/2006/main" xmlns:r="http://schemas.openxmlformats.org/officeDocument/2006/relationships" xmlns:p="http://schemas.openxmlformats.org/presentationml/2006/main" type="tx" showMasterSp="0">
+<p:sldLayout xmlns:a="http://schemas.openxmlformats.org/drawingml/2006/main" xmlns:r="http://schemas.openxmlformats.org/officeDocument/2006/relationships" xmlns:p="http://schemas.openxmlformats.org/presentationml/2006/main" showMasterSp="0" type="tx">
   <p:cSld name="两栏内容">
     <p:spTree>
       <p:nvGrpSpPr>
@@ -1781,7 +1838,9 @@
       <p:sp>
         <p:nvSpPr>
           <p:cNvPr id="42" name="标题文本"/>
-          <p:cNvSpPr txBox="1"/>
+          <p:cNvSpPr txBox="1">
+            <a:spLocks noGrp="1"/>
+          </p:cNvSpPr>
           <p:nvPr>
             <p:ph type="title" hasCustomPrompt="1"/>
           </p:nvPr>
@@ -1812,7 +1871,9 @@
       <p:sp>
         <p:nvSpPr>
           <p:cNvPr id="43" name="正文级别 1…"/>
-          <p:cNvSpPr txBox="1"/>
+          <p:cNvSpPr txBox="1">
+            <a:spLocks noGrp="1"/>
+          </p:cNvSpPr>
           <p:nvPr>
             <p:ph type="body" sz="half" idx="1" hasCustomPrompt="1"/>
           </p:nvPr>
@@ -1894,7 +1955,9 @@
       <p:sp>
         <p:nvSpPr>
           <p:cNvPr id="44" name="幻灯片编号"/>
-          <p:cNvSpPr txBox="1"/>
+          <p:cNvSpPr txBox="1">
+            <a:spLocks noGrp="1"/>
+          </p:cNvSpPr>
           <p:nvPr>
             <p:ph type="sldNum" sz="quarter" idx="2"/>
           </p:nvPr>
@@ -1910,6 +1973,7 @@
           <a:p>
             <a:fld id="{86CB4B4D-7CA3-9044-876B-883B54F8677D}" type="slidenum">
               <a:rPr/>
+              <a:t>‹#›</a:t>
             </a:fld>
             <a:endParaRPr/>
           </a:p>
@@ -1925,7 +1989,7 @@
 </file>
 
 <file path=ppt/slideLayouts/slideLayout5.xml><?xml version="1.0" encoding="utf-8"?>
-<p:sldLayout xmlns:a="http://schemas.openxmlformats.org/drawingml/2006/main" xmlns:r="http://schemas.openxmlformats.org/officeDocument/2006/relationships" xmlns:p="http://schemas.openxmlformats.org/presentationml/2006/main" type="tx" showMasterSp="0">
+<p:sldLayout xmlns:a="http://schemas.openxmlformats.org/drawingml/2006/main" xmlns:r="http://schemas.openxmlformats.org/officeDocument/2006/relationships" xmlns:p="http://schemas.openxmlformats.org/presentationml/2006/main" showMasterSp="0" type="tx">
   <p:cSld name="比较">
     <p:spTree>
       <p:nvGrpSpPr>
@@ -1944,7 +2008,9 @@
       <p:sp>
         <p:nvSpPr>
           <p:cNvPr id="51" name="标题文本"/>
-          <p:cNvSpPr txBox="1"/>
+          <p:cNvSpPr txBox="1">
+            <a:spLocks noGrp="1"/>
+          </p:cNvSpPr>
           <p:nvPr>
             <p:ph type="title" hasCustomPrompt="1"/>
           </p:nvPr>
@@ -1975,7 +2041,9 @@
       <p:sp>
         <p:nvSpPr>
           <p:cNvPr id="52" name="正文级别 1…"/>
-          <p:cNvSpPr txBox="1"/>
+          <p:cNvSpPr txBox="1">
+            <a:spLocks noGrp="1"/>
+          </p:cNvSpPr>
           <p:nvPr>
             <p:ph type="body" sz="quarter" idx="1" hasCustomPrompt="1"/>
           </p:nvPr>
@@ -2072,7 +2140,9 @@
       <p:sp>
         <p:nvSpPr>
           <p:cNvPr id="53" name="文本占位符 4"/>
-          <p:cNvSpPr/>
+          <p:cNvSpPr>
+            <a:spLocks noGrp="1"/>
+          </p:cNvSpPr>
           <p:nvPr>
             <p:ph type="body" sz="quarter" idx="13"/>
           </p:nvPr>
@@ -2099,13 +2169,16 @@
               <a:buNone/>
               <a:defRPr sz="3400" b="1"/>
             </a:pPr>
+            <a:endParaRPr/>
           </a:p>
         </p:txBody>
       </p:sp>
       <p:sp>
         <p:nvSpPr>
           <p:cNvPr id="54" name="幻灯片编号"/>
-          <p:cNvSpPr txBox="1"/>
+          <p:cNvSpPr txBox="1">
+            <a:spLocks noGrp="1"/>
+          </p:cNvSpPr>
           <p:nvPr>
             <p:ph type="sldNum" sz="quarter" idx="2"/>
           </p:nvPr>
@@ -2121,6 +2194,7 @@
           <a:p>
             <a:fld id="{86CB4B4D-7CA3-9044-876B-883B54F8677D}" type="slidenum">
               <a:rPr/>
+              <a:t>‹#›</a:t>
             </a:fld>
             <a:endParaRPr/>
           </a:p>
@@ -2136,7 +2210,7 @@
 </file>
 
 <file path=ppt/slideLayouts/slideLayout6.xml><?xml version="1.0" encoding="utf-8"?>
-<p:sldLayout xmlns:a="http://schemas.openxmlformats.org/drawingml/2006/main" xmlns:r="http://schemas.openxmlformats.org/officeDocument/2006/relationships" xmlns:p="http://schemas.openxmlformats.org/presentationml/2006/main" type="tx" showMasterSp="0">
+<p:sldLayout xmlns:a="http://schemas.openxmlformats.org/drawingml/2006/main" xmlns:r="http://schemas.openxmlformats.org/officeDocument/2006/relationships" xmlns:p="http://schemas.openxmlformats.org/presentationml/2006/main" showMasterSp="0" type="tx">
   <p:cSld name="仅标题">
     <p:spTree>
       <p:nvGrpSpPr>
@@ -2155,7 +2229,9 @@
       <p:sp>
         <p:nvSpPr>
           <p:cNvPr id="61" name="标题文本"/>
-          <p:cNvSpPr txBox="1"/>
+          <p:cNvSpPr txBox="1">
+            <a:spLocks noGrp="1"/>
+          </p:cNvSpPr>
           <p:nvPr>
             <p:ph type="title" hasCustomPrompt="1"/>
           </p:nvPr>
@@ -2186,7 +2262,9 @@
       <p:sp>
         <p:nvSpPr>
           <p:cNvPr id="62" name="幻灯片编号"/>
-          <p:cNvSpPr txBox="1"/>
+          <p:cNvSpPr txBox="1">
+            <a:spLocks noGrp="1"/>
+          </p:cNvSpPr>
           <p:nvPr>
             <p:ph type="sldNum" sz="quarter" idx="2"/>
           </p:nvPr>
@@ -2202,6 +2280,7 @@
           <a:p>
             <a:fld id="{86CB4B4D-7CA3-9044-876B-883B54F8677D}" type="slidenum">
               <a:rPr/>
+              <a:t>‹#›</a:t>
             </a:fld>
             <a:endParaRPr/>
           </a:p>
@@ -2217,7 +2296,7 @@
 </file>
 
 <file path=ppt/slideLayouts/slideLayout7.xml><?xml version="1.0" encoding="utf-8"?>
-<p:sldLayout xmlns:a="http://schemas.openxmlformats.org/drawingml/2006/main" xmlns:r="http://schemas.openxmlformats.org/officeDocument/2006/relationships" xmlns:p="http://schemas.openxmlformats.org/presentationml/2006/main" type="tx" showMasterSp="0">
+<p:sldLayout xmlns:a="http://schemas.openxmlformats.org/drawingml/2006/main" xmlns:r="http://schemas.openxmlformats.org/officeDocument/2006/relationships" xmlns:p="http://schemas.openxmlformats.org/presentationml/2006/main" showMasterSp="0" type="tx">
   <p:cSld name="空白">
     <p:spTree>
       <p:nvGrpSpPr>
@@ -2236,7 +2315,9 @@
       <p:sp>
         <p:nvSpPr>
           <p:cNvPr id="69" name="幻灯片编号"/>
-          <p:cNvSpPr txBox="1"/>
+          <p:cNvSpPr txBox="1">
+            <a:spLocks noGrp="1"/>
+          </p:cNvSpPr>
           <p:nvPr>
             <p:ph type="sldNum" sz="quarter" idx="2"/>
           </p:nvPr>
@@ -2252,6 +2333,7 @@
           <a:p>
             <a:fld id="{86CB4B4D-7CA3-9044-876B-883B54F8677D}" type="slidenum">
               <a:rPr/>
+              <a:t>‹#›</a:t>
             </a:fld>
             <a:endParaRPr/>
           </a:p>
@@ -2267,7 +2349,7 @@
 </file>
 
 <file path=ppt/slideLayouts/slideLayout8.xml><?xml version="1.0" encoding="utf-8"?>
-<p:sldLayout xmlns:a="http://schemas.openxmlformats.org/drawingml/2006/main" xmlns:r="http://schemas.openxmlformats.org/officeDocument/2006/relationships" xmlns:p="http://schemas.openxmlformats.org/presentationml/2006/main" type="tx" showMasterSp="0">
+<p:sldLayout xmlns:a="http://schemas.openxmlformats.org/drawingml/2006/main" xmlns:r="http://schemas.openxmlformats.org/officeDocument/2006/relationships" xmlns:p="http://schemas.openxmlformats.org/presentationml/2006/main" showMasterSp="0" type="tx">
   <p:cSld name="内容与标题">
     <p:spTree>
       <p:nvGrpSpPr>
@@ -2286,7 +2368,9 @@
       <p:sp>
         <p:nvSpPr>
           <p:cNvPr id="76" name="标题文本"/>
-          <p:cNvSpPr txBox="1"/>
+          <p:cNvSpPr txBox="1">
+            <a:spLocks noGrp="1"/>
+          </p:cNvSpPr>
           <p:nvPr>
             <p:ph type="title" hasCustomPrompt="1"/>
           </p:nvPr>
@@ -2317,7 +2401,9 @@
       <p:sp>
         <p:nvSpPr>
           <p:cNvPr id="77" name="正文级别 1…"/>
-          <p:cNvSpPr txBox="1"/>
+          <p:cNvSpPr txBox="1">
+            <a:spLocks noGrp="1"/>
+          </p:cNvSpPr>
           <p:nvPr>
             <p:ph type="body" idx="1" hasCustomPrompt="1"/>
           </p:nvPr>
@@ -2384,7 +2470,9 @@
       <p:sp>
         <p:nvSpPr>
           <p:cNvPr id="78" name="文本占位符 3"/>
-          <p:cNvSpPr/>
+          <p:cNvSpPr>
+            <a:spLocks noGrp="1"/>
+          </p:cNvSpPr>
           <p:nvPr>
             <p:ph type="body" sz="half" idx="13"/>
           </p:nvPr>
@@ -2411,13 +2499,16 @@
               <a:buNone/>
               <a:defRPr sz="1800"/>
             </a:pPr>
+            <a:endParaRPr/>
           </a:p>
         </p:txBody>
       </p:sp>
       <p:sp>
         <p:nvSpPr>
           <p:cNvPr id="79" name="幻灯片编号"/>
-          <p:cNvSpPr txBox="1"/>
+          <p:cNvSpPr txBox="1">
+            <a:spLocks noGrp="1"/>
+          </p:cNvSpPr>
           <p:nvPr>
             <p:ph type="sldNum" sz="quarter" idx="2"/>
           </p:nvPr>
@@ -2433,6 +2524,7 @@
           <a:p>
             <a:fld id="{86CB4B4D-7CA3-9044-876B-883B54F8677D}" type="slidenum">
               <a:rPr/>
+              <a:t>‹#›</a:t>
             </a:fld>
             <a:endParaRPr/>
           </a:p>
@@ -2448,7 +2540,7 @@
 </file>
 
 <file path=ppt/slideLayouts/slideLayout9.xml><?xml version="1.0" encoding="utf-8"?>
-<p:sldLayout xmlns:a="http://schemas.openxmlformats.org/drawingml/2006/main" xmlns:r="http://schemas.openxmlformats.org/officeDocument/2006/relationships" xmlns:p="http://schemas.openxmlformats.org/presentationml/2006/main" type="tx" showMasterSp="0">
+<p:sldLayout xmlns:a="http://schemas.openxmlformats.org/drawingml/2006/main" xmlns:r="http://schemas.openxmlformats.org/officeDocument/2006/relationships" xmlns:p="http://schemas.openxmlformats.org/presentationml/2006/main" showMasterSp="0" type="tx">
   <p:cSld name="图片与标题">
     <p:spTree>
       <p:nvGrpSpPr>
@@ -2467,7 +2559,9 @@
       <p:sp>
         <p:nvSpPr>
           <p:cNvPr id="86" name="标题文本"/>
-          <p:cNvSpPr txBox="1"/>
+          <p:cNvSpPr txBox="1">
+            <a:spLocks noGrp="1"/>
+          </p:cNvSpPr>
           <p:nvPr>
             <p:ph type="title" hasCustomPrompt="1"/>
           </p:nvPr>
@@ -2498,7 +2592,9 @@
       <p:sp>
         <p:nvSpPr>
           <p:cNvPr id="87" name="图片占位符 2"/>
-          <p:cNvSpPr/>
+          <p:cNvSpPr>
+            <a:spLocks noGrp="1"/>
+          </p:cNvSpPr>
           <p:nvPr>
             <p:ph type="pic" sz="half" idx="13"/>
           </p:nvPr>
@@ -2517,13 +2613,17 @@
             <a:noAutofit/>
           </a:bodyPr>
           <a:lstStyle/>
-          <a:p/>
+          <a:p>
+            <a:endParaRPr/>
+          </a:p>
         </p:txBody>
       </p:sp>
       <p:sp>
         <p:nvSpPr>
           <p:cNvPr id="88" name="正文级别 1…"/>
-          <p:cNvSpPr txBox="1"/>
+          <p:cNvSpPr txBox="1">
+            <a:spLocks noGrp="1"/>
+          </p:cNvSpPr>
           <p:nvPr>
             <p:ph type="body" sz="quarter" idx="1" hasCustomPrompt="1"/>
           </p:nvPr>
@@ -2620,7 +2720,9 @@
       <p:sp>
         <p:nvSpPr>
           <p:cNvPr id="89" name="幻灯片编号"/>
-          <p:cNvSpPr txBox="1"/>
+          <p:cNvSpPr txBox="1">
+            <a:spLocks noGrp="1"/>
+          </p:cNvSpPr>
           <p:nvPr>
             <p:ph type="sldNum" sz="quarter" idx="2"/>
           </p:nvPr>
@@ -2636,6 +2738,7 @@
           <a:p>
             <a:fld id="{86CB4B4D-7CA3-9044-876B-883B54F8677D}" type="slidenum">
               <a:rPr/>
+              <a:t>‹#›</a:t>
             </a:fld>
             <a:endParaRPr/>
           </a:p>
@@ -2656,7 +2759,7 @@
     <p:bg>
       <p:bgPr>
         <a:blipFill rotWithShape="1">
-          <a:blip r:embed="rId14"/>
+          <a:blip r:embed="rId15"/>
           <a:srcRect/>
           <a:stretch>
             <a:fillRect/>
@@ -2686,7 +2789,7 @@
           <p:nvPr/>
         </p:nvPicPr>
         <p:blipFill>
-          <a:blip r:embed="rId15"/>
+          <a:blip r:embed="rId16"/>
           <a:stretch>
             <a:fillRect/>
           </a:stretch>
@@ -2736,13 +2839,16 @@
             <a:pPr>
               <a:defRPr sz="2000"/>
             </a:pPr>
+            <a:endParaRPr/>
           </a:p>
         </p:txBody>
       </p:sp>
       <p:sp>
         <p:nvSpPr>
           <p:cNvPr id="4" name="标题文本"/>
-          <p:cNvSpPr txBox="1"/>
+          <p:cNvSpPr txBox="1">
+            <a:spLocks noGrp="1"/>
+          </p:cNvSpPr>
           <p:nvPr>
             <p:ph type="title"/>
           </p:nvPr>
@@ -2774,7 +2880,9 @@
       <p:sp>
         <p:nvSpPr>
           <p:cNvPr id="5" name="正文级别 1…"/>
-          <p:cNvSpPr txBox="1"/>
+          <p:cNvSpPr txBox="1">
+            <a:spLocks noGrp="1"/>
+          </p:cNvSpPr>
           <p:nvPr>
             <p:ph type="body" idx="1"/>
           </p:nvPr>
@@ -2839,7 +2947,7 @@
           <p:nvPr/>
         </p:nvPicPr>
         <p:blipFill>
-          <a:blip r:embed="rId16"/>
+          <a:blip r:embed="rId17"/>
           <a:stretch>
             <a:fillRect/>
           </a:stretch>
@@ -2909,7 +3017,9 @@
       <p:sp>
         <p:nvSpPr>
           <p:cNvPr id="8" name="幻灯片编号"/>
-          <p:cNvSpPr txBox="1"/>
+          <p:cNvSpPr txBox="1">
+            <a:spLocks noGrp="1"/>
+          </p:cNvSpPr>
           <p:nvPr>
             <p:ph type="sldNum" sz="quarter" idx="2"/>
           </p:nvPr>
@@ -2942,6 +3052,7 @@
           <a:p>
             <a:fld id="{86CB4B4D-7CA3-9044-876B-883B54F8677D}" type="slidenum">
               <a:rPr/>
+              <a:t>‹#›</a:t>
             </a:fld>
             <a:endParaRPr/>
           </a:p>
@@ -3739,7 +3850,7 @@
     <p:bg>
       <p:bgPr>
         <a:blipFill rotWithShape="1">
-          <a:blip r:embed="rId1"/>
+          <a:blip r:embed="rId2"/>
           <a:srcRect/>
           <a:tile tx="0" ty="0" sx="100000" sy="100000" flip="none" algn="tl"/>
         </a:blipFill>
@@ -3769,7 +3880,7 @@
           <p:nvPr/>
         </p:nvPicPr>
         <p:blipFill>
-          <a:blip r:embed="rId2"/>
+          <a:blip r:embed="rId3"/>
           <a:stretch>
             <a:fillRect/>
           </a:stretch>
@@ -3839,7 +3950,9 @@
       <p:sp>
         <p:nvSpPr>
           <p:cNvPr id="136" name="副标题 3"/>
-          <p:cNvSpPr txBox="1"/>
+          <p:cNvSpPr txBox="1">
+            <a:spLocks noGrp="1"/>
+          </p:cNvSpPr>
           <p:nvPr>
             <p:ph type="subTitle" sz="quarter" idx="1"/>
           </p:nvPr>
@@ -3892,7 +4005,9 @@
       <p:sp>
         <p:nvSpPr>
           <p:cNvPr id="162" name="标题 1"/>
-          <p:cNvSpPr txBox="1"/>
+          <p:cNvSpPr txBox="1">
+            <a:spLocks noGrp="1"/>
+          </p:cNvSpPr>
           <p:nvPr>
             <p:ph type="title"/>
           </p:nvPr>
@@ -3915,7 +4030,9 @@
       <p:sp>
         <p:nvSpPr>
           <p:cNvPr id="163" name="内容占位符 2"/>
-          <p:cNvSpPr txBox="1"/>
+          <p:cNvSpPr txBox="1">
+            <a:spLocks noGrp="1"/>
+          </p:cNvSpPr>
           <p:nvPr>
             <p:ph type="body" idx="1"/>
           </p:nvPr>
@@ -3979,7 +4096,9 @@
       <p:sp>
         <p:nvSpPr>
           <p:cNvPr id="165" name="标题 1"/>
-          <p:cNvSpPr txBox="1"/>
+          <p:cNvSpPr txBox="1">
+            <a:spLocks noGrp="1"/>
+          </p:cNvSpPr>
           <p:nvPr>
             <p:ph type="title"/>
           </p:nvPr>
@@ -4002,7 +4121,9 @@
       <p:sp>
         <p:nvSpPr>
           <p:cNvPr id="166" name="内容占位符 2"/>
-          <p:cNvSpPr txBox="1"/>
+          <p:cNvSpPr txBox="1">
+            <a:spLocks noGrp="1"/>
+          </p:cNvSpPr>
           <p:nvPr>
             <p:ph type="body" idx="1"/>
           </p:nvPr>
@@ -4029,31 +4150,62 @@
       </p:sp>
       <p:pic>
         <p:nvPicPr>
-          <p:cNvPr id="167" name="未标题-1.png" descr="未标题-1.png"/>
+          <p:cNvPr id="2" name="图片 1">
+            <a:extLst>
+              <a:ext uri="{FF2B5EF4-FFF2-40B4-BE49-F238E27FC236}">
+                <a16:creationId xmlns:a16="http://schemas.microsoft.com/office/drawing/2014/main" id="{662CA979-92E0-274B-B478-466866FD0350}"/>
+              </a:ext>
+            </a:extLst>
+          </p:cNvPr>
           <p:cNvPicPr>
             <a:picLocks noChangeAspect="1"/>
           </p:cNvPicPr>
           <p:nvPr/>
         </p:nvPicPr>
         <p:blipFill>
-          <a:blip r:embed="rId1"/>
+          <a:blip r:embed="rId2"/>
           <a:stretch>
             <a:fillRect/>
           </a:stretch>
         </p:blipFill>
         <p:spPr>
           <a:xfrm>
-            <a:off x="1124636" y="4690172"/>
-            <a:ext cx="8764431" cy="4467955"/>
+            <a:off x="609599" y="4740536"/>
+            <a:ext cx="4948519" cy="4453668"/>
           </a:xfrm>
           <a:prstGeom prst="rect">
             <a:avLst/>
           </a:prstGeom>
-          <a:ln w="12700">
-            <a:miter lim="400000"/>
-            <a:headEnd/>
-            <a:tailEnd/>
-          </a:ln>
+        </p:spPr>
+      </p:pic>
+      <p:pic>
+        <p:nvPicPr>
+          <p:cNvPr id="3" name="图片 2">
+            <a:extLst>
+              <a:ext uri="{FF2B5EF4-FFF2-40B4-BE49-F238E27FC236}">
+                <a16:creationId xmlns:a16="http://schemas.microsoft.com/office/drawing/2014/main" id="{9D47DEA9-16FA-2D42-BEC1-1C4A0894C8E9}"/>
+              </a:ext>
+            </a:extLst>
+          </p:cNvPr>
+          <p:cNvPicPr>
+            <a:picLocks noChangeAspect="1"/>
+          </p:cNvPicPr>
+          <p:nvPr/>
+        </p:nvPicPr>
+        <p:blipFill>
+          <a:blip r:embed="rId3"/>
+          <a:stretch>
+            <a:fillRect/>
+          </a:stretch>
+        </p:blipFill>
+        <p:spPr>
+          <a:xfrm>
+            <a:off x="6029298" y="4740536"/>
+            <a:ext cx="5601286" cy="4453668"/>
+          </a:xfrm>
+          <a:prstGeom prst="rect">
+            <a:avLst/>
+          </a:prstGeom>
         </p:spPr>
       </p:pic>
     </p:spTree>
@@ -4085,7 +4237,9 @@
       <p:sp>
         <p:nvSpPr>
           <p:cNvPr id="169" name="标题 1"/>
-          <p:cNvSpPr txBox="1"/>
+          <p:cNvSpPr txBox="1">
+            <a:spLocks noGrp="1"/>
+          </p:cNvSpPr>
           <p:nvPr>
             <p:ph type="title"/>
           </p:nvPr>
@@ -4108,7 +4262,9 @@
       <p:sp>
         <p:nvSpPr>
           <p:cNvPr id="170" name="内容占位符 2"/>
-          <p:cNvSpPr txBox="1"/>
+          <p:cNvSpPr txBox="1">
+            <a:spLocks noGrp="1"/>
+          </p:cNvSpPr>
           <p:nvPr>
             <p:ph type="body" idx="1"/>
           </p:nvPr>
@@ -4172,7 +4328,9 @@
       <p:sp>
         <p:nvSpPr>
           <p:cNvPr id="172" name="标题 1"/>
-          <p:cNvSpPr txBox="1"/>
+          <p:cNvSpPr txBox="1">
+            <a:spLocks noGrp="1"/>
+          </p:cNvSpPr>
           <p:nvPr>
             <p:ph type="title"/>
           </p:nvPr>
@@ -4195,7 +4353,9 @@
       <p:sp>
         <p:nvSpPr>
           <p:cNvPr id="173" name="内容占位符 2"/>
-          <p:cNvSpPr txBox="1"/>
+          <p:cNvSpPr txBox="1">
+            <a:spLocks noGrp="1"/>
+          </p:cNvSpPr>
           <p:nvPr>
             <p:ph type="body" idx="1"/>
           </p:nvPr>
@@ -4254,7 +4414,9 @@
       <p:sp>
         <p:nvSpPr>
           <p:cNvPr id="175" name="标题 1"/>
-          <p:cNvSpPr txBox="1"/>
+          <p:cNvSpPr txBox="1">
+            <a:spLocks noGrp="1"/>
+          </p:cNvSpPr>
           <p:nvPr>
             <p:ph type="title"/>
           </p:nvPr>
@@ -4277,7 +4439,9 @@
       <p:sp>
         <p:nvSpPr>
           <p:cNvPr id="176" name="内容占位符 2"/>
-          <p:cNvSpPr txBox="1"/>
+          <p:cNvSpPr txBox="1">
+            <a:spLocks noGrp="1"/>
+          </p:cNvSpPr>
           <p:nvPr>
             <p:ph type="body" idx="1"/>
           </p:nvPr>
@@ -4331,7 +4495,9 @@
       <p:sp>
         <p:nvSpPr>
           <p:cNvPr id="178" name="标题 1"/>
-          <p:cNvSpPr txBox="1"/>
+          <p:cNvSpPr txBox="1">
+            <a:spLocks noGrp="1"/>
+          </p:cNvSpPr>
           <p:nvPr>
             <p:ph type="title"/>
           </p:nvPr>
@@ -4354,7 +4520,9 @@
       <p:sp>
         <p:nvSpPr>
           <p:cNvPr id="179" name="内容占位符 2"/>
-          <p:cNvSpPr txBox="1"/>
+          <p:cNvSpPr txBox="1">
+            <a:spLocks noGrp="1"/>
+          </p:cNvSpPr>
           <p:nvPr>
             <p:ph type="body" idx="1"/>
           </p:nvPr>
@@ -4408,7 +4576,9 @@
       <p:sp>
         <p:nvSpPr>
           <p:cNvPr id="181" name="标题 1"/>
-          <p:cNvSpPr txBox="1"/>
+          <p:cNvSpPr txBox="1">
+            <a:spLocks noGrp="1"/>
+          </p:cNvSpPr>
           <p:nvPr>
             <p:ph type="title"/>
           </p:nvPr>
@@ -4431,7 +4601,9 @@
       <p:sp>
         <p:nvSpPr>
           <p:cNvPr id="182" name="内容占位符 2"/>
-          <p:cNvSpPr txBox="1"/>
+          <p:cNvSpPr txBox="1">
+            <a:spLocks noGrp="1"/>
+          </p:cNvSpPr>
           <p:nvPr>
             <p:ph type="body" idx="1"/>
           </p:nvPr>
@@ -4463,16 +4635,6 @@
               </a:rPr>
               <a:t>API文档</a:t>
             </a:r>
-            <a:endParaRPr u="sng">
-              <a:solidFill>
-                <a:srgbClr val="0563C1"/>
-              </a:solidFill>
-              <a:uFill>
-                <a:solidFill>
-                  <a:srgbClr val="0563C1"/>
-                </a:solidFill>
-              </a:uFill>
-            </a:endParaRPr>
           </a:p>
         </p:txBody>
       </p:sp>
@@ -4505,7 +4667,9 @@
       <p:sp>
         <p:nvSpPr>
           <p:cNvPr id="184" name="标题 1"/>
-          <p:cNvSpPr txBox="1"/>
+          <p:cNvSpPr txBox="1">
+            <a:spLocks noGrp="1"/>
+          </p:cNvSpPr>
           <p:nvPr>
             <p:ph type="title"/>
           </p:nvPr>
@@ -4528,7 +4692,9 @@
       <p:sp>
         <p:nvSpPr>
           <p:cNvPr id="185" name="内容占位符 2"/>
-          <p:cNvSpPr txBox="1"/>
+          <p:cNvSpPr txBox="1">
+            <a:spLocks noGrp="1"/>
+          </p:cNvSpPr>
           <p:nvPr>
             <p:ph type="body" idx="1"/>
           </p:nvPr>
@@ -4631,9 +4797,6 @@
               </a:rPr>
               <a:t>投票表单</a:t>
             </a:r>
-            <a:endParaRPr lang="zh-CN">
-              <a:ea typeface="宋体" panose="02010600030101010101" pitchFamily="2" charset="-122"/>
-            </a:endParaRPr>
           </a:p>
           <a:p>
             <a:pPr marL="316865" indent="-316865" defTabSz="1287145">
@@ -4710,7 +4873,9 @@
       <p:sp>
         <p:nvSpPr>
           <p:cNvPr id="187" name="标题 1"/>
-          <p:cNvSpPr txBox="1"/>
+          <p:cNvSpPr txBox="1">
+            <a:spLocks noGrp="1"/>
+          </p:cNvSpPr>
           <p:nvPr>
             <p:ph type="title"/>
           </p:nvPr>
@@ -4733,7 +4898,9 @@
       <p:sp>
         <p:nvSpPr>
           <p:cNvPr id="188" name="内容占位符 2"/>
-          <p:cNvSpPr txBox="1"/>
+          <p:cNvSpPr txBox="1">
+            <a:spLocks noGrp="1"/>
+          </p:cNvSpPr>
           <p:nvPr>
             <p:ph type="body" idx="1"/>
           </p:nvPr>
@@ -4766,7 +4933,9 @@
               <a:t>Maven</a:t>
             </a:r>
           </a:p>
-          <a:p/>
+          <a:p>
+            <a:endParaRPr/>
+          </a:p>
           <a:p>
             <a:pPr marL="0" indent="0">
               <a:buSzTx/>
@@ -4788,16 +4957,6 @@
               </a:rPr>
               <a:t>《Sym安装指南》</a:t>
             </a:r>
-            <a:endParaRPr u="sng">
-              <a:solidFill>
-                <a:srgbClr val="0563C1"/>
-              </a:solidFill>
-              <a:uFill>
-                <a:solidFill>
-                  <a:srgbClr val="0563C1"/>
-                </a:solidFill>
-              </a:uFill>
-            </a:endParaRPr>
           </a:p>
         </p:txBody>
       </p:sp>
@@ -4830,7 +4989,9 @@
       <p:sp>
         <p:nvSpPr>
           <p:cNvPr id="190" name="标题 1"/>
-          <p:cNvSpPr txBox="1"/>
+          <p:cNvSpPr txBox="1">
+            <a:spLocks noGrp="1"/>
+          </p:cNvSpPr>
           <p:nvPr>
             <p:ph type="title"/>
           </p:nvPr>
@@ -4853,7 +5014,9 @@
       <p:sp>
         <p:nvSpPr>
           <p:cNvPr id="191" name="内容占位符 2"/>
-          <p:cNvSpPr txBox="1"/>
+          <p:cNvSpPr txBox="1">
+            <a:spLocks noGrp="1"/>
+          </p:cNvSpPr>
           <p:nvPr>
             <p:ph type="body" idx="1"/>
           </p:nvPr>
@@ -4932,7 +5095,9 @@
       <p:sp>
         <p:nvSpPr>
           <p:cNvPr id="138" name="标题 1"/>
-          <p:cNvSpPr txBox="1"/>
+          <p:cNvSpPr txBox="1">
+            <a:spLocks noGrp="1"/>
+          </p:cNvSpPr>
           <p:nvPr>
             <p:ph type="title"/>
           </p:nvPr>
@@ -4955,7 +5120,9 @@
       <p:sp>
         <p:nvSpPr>
           <p:cNvPr id="139" name="内容占位符 2"/>
-          <p:cNvSpPr txBox="1"/>
+          <p:cNvSpPr txBox="1">
+            <a:spLocks noGrp="1"/>
+          </p:cNvSpPr>
           <p:nvPr>
             <p:ph type="body" idx="1"/>
           </p:nvPr>
@@ -5051,13 +5218,13 @@
   <p:clrMapOvr>
     <a:masterClrMapping/>
   </p:clrMapOvr>
-  <mc:AlternateContent xmlns:mc="http://schemas.openxmlformats.org/markup-compatibility/2006">
-    <mc:Choice xmlns:p14="http://schemas.microsoft.com/office/powerpoint/2010/main" Requires="p14">
+  <mc:AlternateContent xmlns:mc="http://schemas.openxmlformats.org/markup-compatibility/2006" xmlns:p14="http://schemas.microsoft.com/office/powerpoint/2010/main">
+    <mc:Choice Requires="p14">
       <p:transition spd="slow" p14:dur="1500">
         <p:dissolve/>
       </p:transition>
     </mc:Choice>
-    <mc:Fallback>
+    <mc:Fallback xmlns="">
       <p:transition spd="slow">
         <p:dissolve/>
       </p:transition>
@@ -5086,7 +5253,9 @@
       <p:sp>
         <p:nvSpPr>
           <p:cNvPr id="193" name="标题 1"/>
-          <p:cNvSpPr txBox="1"/>
+          <p:cNvSpPr txBox="1">
+            <a:spLocks noGrp="1"/>
+          </p:cNvSpPr>
           <p:nvPr>
             <p:ph type="title"/>
           </p:nvPr>
@@ -5109,7 +5278,9 @@
       <p:sp>
         <p:nvSpPr>
           <p:cNvPr id="194" name="内容占位符 2"/>
-          <p:cNvSpPr txBox="1"/>
+          <p:cNvSpPr txBox="1">
+            <a:spLocks noGrp="1"/>
+          </p:cNvSpPr>
           <p:nvPr>
             <p:ph type="body" idx="1"/>
           </p:nvPr>
@@ -5168,7 +5339,9 @@
       <p:sp>
         <p:nvSpPr>
           <p:cNvPr id="196" name="标题 1"/>
-          <p:cNvSpPr txBox="1"/>
+          <p:cNvSpPr txBox="1">
+            <a:spLocks noGrp="1"/>
+          </p:cNvSpPr>
           <p:nvPr>
             <p:ph type="title"/>
           </p:nvPr>
@@ -5191,7 +5364,9 @@
       <p:sp>
         <p:nvSpPr>
           <p:cNvPr id="197" name="内容占位符 2"/>
-          <p:cNvSpPr txBox="1"/>
+          <p:cNvSpPr txBox="1">
+            <a:spLocks noGrp="1"/>
+          </p:cNvSpPr>
           <p:nvPr>
             <p:ph type="body" idx="1"/>
           </p:nvPr>
@@ -5250,7 +5425,9 @@
       <p:sp>
         <p:nvSpPr>
           <p:cNvPr id="199" name="标题 1"/>
-          <p:cNvSpPr txBox="1"/>
+          <p:cNvSpPr txBox="1">
+            <a:spLocks noGrp="1"/>
+          </p:cNvSpPr>
           <p:nvPr>
             <p:ph type="title"/>
           </p:nvPr>
@@ -5273,7 +5450,9 @@
       <p:sp>
         <p:nvSpPr>
           <p:cNvPr id="200" name="内容占位符 2"/>
-          <p:cNvSpPr txBox="1"/>
+          <p:cNvSpPr txBox="1">
+            <a:spLocks noGrp="1"/>
+          </p:cNvSpPr>
           <p:nvPr>
             <p:ph type="body" idx="1"/>
           </p:nvPr>
@@ -5327,7 +5506,9 @@
       <p:sp>
         <p:nvSpPr>
           <p:cNvPr id="202" name="标题 1"/>
-          <p:cNvSpPr txBox="1"/>
+          <p:cNvSpPr txBox="1">
+            <a:spLocks noGrp="1"/>
+          </p:cNvSpPr>
           <p:nvPr>
             <p:ph type="title"/>
           </p:nvPr>
@@ -5350,7 +5531,9 @@
       <p:sp>
         <p:nvSpPr>
           <p:cNvPr id="203" name="内容占位符 2"/>
-          <p:cNvSpPr txBox="1"/>
+          <p:cNvSpPr txBox="1">
+            <a:spLocks noGrp="1"/>
+          </p:cNvSpPr>
           <p:nvPr>
             <p:ph type="body" idx="1"/>
           </p:nvPr>
@@ -5404,7 +5587,9 @@
       <p:sp>
         <p:nvSpPr>
           <p:cNvPr id="205" name="标题 1"/>
-          <p:cNvSpPr txBox="1"/>
+          <p:cNvSpPr txBox="1">
+            <a:spLocks noGrp="1"/>
+          </p:cNvSpPr>
           <p:nvPr>
             <p:ph type="title"/>
           </p:nvPr>
@@ -5427,7 +5612,9 @@
       <p:sp>
         <p:nvSpPr>
           <p:cNvPr id="206" name="内容占位符 2"/>
-          <p:cNvSpPr txBox="1"/>
+          <p:cNvSpPr txBox="1">
+            <a:spLocks noGrp="1"/>
+          </p:cNvSpPr>
           <p:nvPr>
             <p:ph type="body" idx="1"/>
           </p:nvPr>
@@ -5501,7 +5688,9 @@
       <p:sp>
         <p:nvSpPr>
           <p:cNvPr id="208" name="标题 1"/>
-          <p:cNvSpPr txBox="1"/>
+          <p:cNvSpPr txBox="1">
+            <a:spLocks noGrp="1"/>
+          </p:cNvSpPr>
           <p:nvPr>
             <p:ph type="title"/>
           </p:nvPr>
@@ -5524,7 +5713,9 @@
       <p:sp>
         <p:nvSpPr>
           <p:cNvPr id="209" name="内容占位符 2"/>
-          <p:cNvSpPr txBox="1"/>
+          <p:cNvSpPr txBox="1">
+            <a:spLocks noGrp="1"/>
+          </p:cNvSpPr>
           <p:nvPr>
             <p:ph type="body" idx="1"/>
           </p:nvPr>
@@ -5588,7 +5779,9 @@
       <p:sp>
         <p:nvSpPr>
           <p:cNvPr id="211" name="标题 1"/>
-          <p:cNvSpPr txBox="1"/>
+          <p:cNvSpPr txBox="1">
+            <a:spLocks noGrp="1"/>
+          </p:cNvSpPr>
           <p:nvPr>
             <p:ph type="title"/>
           </p:nvPr>
@@ -5611,7 +5804,9 @@
       <p:sp>
         <p:nvSpPr>
           <p:cNvPr id="212" name="内容占位符 2"/>
-          <p:cNvSpPr txBox="1"/>
+          <p:cNvSpPr txBox="1">
+            <a:spLocks noGrp="1"/>
+          </p:cNvSpPr>
           <p:nvPr>
             <p:ph type="body" idx="1"/>
           </p:nvPr>
@@ -5665,7 +5860,9 @@
       <p:sp>
         <p:nvSpPr>
           <p:cNvPr id="141" name="标题 1"/>
-          <p:cNvSpPr txBox="1"/>
+          <p:cNvSpPr txBox="1">
+            <a:spLocks noGrp="1"/>
+          </p:cNvSpPr>
           <p:nvPr>
             <p:ph type="title"/>
           </p:nvPr>
@@ -5688,7 +5885,9 @@
       <p:sp>
         <p:nvSpPr>
           <p:cNvPr id="142" name="内容占位符 2"/>
-          <p:cNvSpPr txBox="1"/>
+          <p:cNvSpPr txBox="1">
+            <a:spLocks noGrp="1"/>
+          </p:cNvSpPr>
           <p:nvPr>
             <p:ph type="body" idx="1"/>
           </p:nvPr>
@@ -5757,7 +5956,9 @@
       <p:sp>
         <p:nvSpPr>
           <p:cNvPr id="144" name="标题 1"/>
-          <p:cNvSpPr txBox="1"/>
+          <p:cNvSpPr txBox="1">
+            <a:spLocks noGrp="1"/>
+          </p:cNvSpPr>
           <p:nvPr>
             <p:ph type="title"/>
           </p:nvPr>
@@ -5780,7 +5981,9 @@
       <p:sp>
         <p:nvSpPr>
           <p:cNvPr id="145" name="内容占位符 2"/>
-          <p:cNvSpPr txBox="1"/>
+          <p:cNvSpPr txBox="1">
+            <a:spLocks noGrp="1"/>
+          </p:cNvSpPr>
           <p:nvPr>
             <p:ph type="body" idx="1"/>
           </p:nvPr>
@@ -5810,16 +6013,6 @@
               </a:rPr>
               <a:t>https://bbs.wtoip.com</a:t>
             </a:r>
-            <a:endParaRPr u="sng">
-              <a:solidFill>
-                <a:srgbClr val="0563C1"/>
-              </a:solidFill>
-              <a:uFill>
-                <a:solidFill>
-                  <a:srgbClr val="0563C1"/>
-                </a:solidFill>
-              </a:uFill>
-            </a:endParaRPr>
           </a:p>
           <a:p>
             <a:r>
@@ -5827,7 +6020,7 @@
             </a:r>
             <a:r>
               <a:rPr>
-                <a:hlinkClick r:id="rId1"/>
+                <a:hlinkClick r:id="rId2"/>
               </a:rPr>
               <a:t>http://bbs.ivrpano.com</a:t>
             </a:r>
@@ -5849,16 +6042,6 @@
               </a:rPr>
               <a:t>http://c.raqsoft.com.cn</a:t>
             </a:r>
-            <a:endParaRPr u="sng">
-              <a:solidFill>
-                <a:srgbClr val="0563C1"/>
-              </a:solidFill>
-              <a:uFill>
-                <a:solidFill>
-                  <a:srgbClr val="0563C1"/>
-                </a:solidFill>
-              </a:uFill>
-            </a:endParaRPr>
           </a:p>
           <a:p>
             <a:r>
@@ -5870,7 +6053,7 @@
             <a:r>
               <a:rPr lang="zh-CN">
                 <a:ea typeface="宋体" panose="02010600030101010101" pitchFamily="2" charset="-122"/>
-                <a:hlinkClick r:id="rId2" tooltip="" action="ppaction://hlinkfile"/>
+                <a:hlinkClick r:id="rId3" action="ppaction://hlinkfile"/>
               </a:rPr>
               <a:t>https://c.shenzhoubb.com</a:t>
             </a:r>
@@ -5884,7 +6067,7 @@
             </a:r>
             <a:r>
               <a:rPr>
-                <a:hlinkClick r:id="rId3"/>
+                <a:hlinkClick r:id="rId4"/>
               </a:rPr>
               <a:t>http://geecall.com</a:t>
             </a:r>
@@ -5900,7 +6083,7 @@
             </a:r>
             <a:r>
               <a:rPr>
-                <a:hlinkClick r:id="rId4" action="ppaction://hlinkfile"/>
+                <a:hlinkClick r:id="rId5" action="ppaction://hlinkfile"/>
               </a:rPr>
               <a:t>https://cs.jdy.com</a:t>
             </a:r>
@@ -5941,7 +6124,9 @@
       <p:sp>
         <p:nvSpPr>
           <p:cNvPr id="147" name="标题 1"/>
-          <p:cNvSpPr txBox="1"/>
+          <p:cNvSpPr txBox="1">
+            <a:spLocks noGrp="1"/>
+          </p:cNvSpPr>
           <p:nvPr>
             <p:ph type="title"/>
           </p:nvPr>
@@ -5964,7 +6149,9 @@
       <p:sp>
         <p:nvSpPr>
           <p:cNvPr id="148" name="内容占位符 2"/>
-          <p:cNvSpPr txBox="1"/>
+          <p:cNvSpPr txBox="1">
+            <a:spLocks noGrp="1"/>
+          </p:cNvSpPr>
           <p:nvPr>
             <p:ph type="body" idx="1"/>
           </p:nvPr>
@@ -6100,7 +6287,9 @@
       <p:sp>
         <p:nvSpPr>
           <p:cNvPr id="150" name="标题 1"/>
-          <p:cNvSpPr txBox="1"/>
+          <p:cNvSpPr txBox="1">
+            <a:spLocks noGrp="1"/>
+          </p:cNvSpPr>
           <p:nvPr>
             <p:ph type="title"/>
           </p:nvPr>
@@ -6123,7 +6312,9 @@
       <p:sp>
         <p:nvSpPr>
           <p:cNvPr id="151" name="内容占位符 2"/>
-          <p:cNvSpPr txBox="1"/>
+          <p:cNvSpPr txBox="1">
+            <a:spLocks noGrp="1"/>
+          </p:cNvSpPr>
           <p:nvPr>
             <p:ph type="body" idx="1"/>
           </p:nvPr>
@@ -6177,7 +6368,9 @@
       <p:sp>
         <p:nvSpPr>
           <p:cNvPr id="153" name="标题 1"/>
-          <p:cNvSpPr txBox="1"/>
+          <p:cNvSpPr txBox="1">
+            <a:spLocks noGrp="1"/>
+          </p:cNvSpPr>
           <p:nvPr>
             <p:ph type="title"/>
           </p:nvPr>
@@ -6200,7 +6393,9 @@
       <p:sp>
         <p:nvSpPr>
           <p:cNvPr id="154" name="内容占位符 2"/>
-          <p:cNvSpPr txBox="1"/>
+          <p:cNvSpPr txBox="1">
+            <a:spLocks noGrp="1"/>
+          </p:cNvSpPr>
           <p:nvPr>
             <p:ph type="body" idx="1"/>
           </p:nvPr>
@@ -6274,7 +6469,9 @@
       <p:sp>
         <p:nvSpPr>
           <p:cNvPr id="156" name="标题 1"/>
-          <p:cNvSpPr txBox="1"/>
+          <p:cNvSpPr txBox="1">
+            <a:spLocks noGrp="1"/>
+          </p:cNvSpPr>
           <p:nvPr>
             <p:ph type="title"/>
           </p:nvPr>
@@ -6297,7 +6494,9 @@
       <p:sp>
         <p:nvSpPr>
           <p:cNvPr id="157" name="内容占位符 2"/>
-          <p:cNvSpPr txBox="1"/>
+          <p:cNvSpPr txBox="1">
+            <a:spLocks noGrp="1"/>
+          </p:cNvSpPr>
           <p:nvPr>
             <p:ph type="body" idx="1"/>
           </p:nvPr>
@@ -6351,7 +6550,9 @@
       <p:sp>
         <p:nvSpPr>
           <p:cNvPr id="159" name="标题 1"/>
-          <p:cNvSpPr txBox="1"/>
+          <p:cNvSpPr txBox="1">
+            <a:spLocks noGrp="1"/>
+          </p:cNvSpPr>
           <p:nvPr>
             <p:ph type="title"/>
           </p:nvPr>
@@ -6374,7 +6575,9 @@
       <p:sp>
         <p:nvSpPr>
           <p:cNvPr id="160" name="内容占位符 2"/>
-          <p:cNvSpPr txBox="1"/>
+          <p:cNvSpPr txBox="1">
+            <a:spLocks noGrp="1"/>
+          </p:cNvSpPr>
           <p:nvPr>
             <p:ph type="body" idx="1"/>
           </p:nvPr>
@@ -6409,7 +6612,7 @@
 </file>
 
 <file path=ppt/tags/tag1.xml><?xml version="1.0" encoding="utf-8"?>
-<p:tagLst xmlns:p="http://schemas.openxmlformats.org/presentationml/2006/main">
+<p:tagLst xmlns:a="http://schemas.openxmlformats.org/drawingml/2006/main" xmlns:r="http://schemas.openxmlformats.org/officeDocument/2006/relationships" xmlns:p="http://schemas.openxmlformats.org/presentationml/2006/main">
   <p:tag name="KSO_WM_DOC_GUID" val="{fceee0d5-dd62-4a8f-8d5e-b465a83cc8a5}"/>
 </p:tagLst>
 </file>
@@ -6640,7 +6843,7 @@
           </a:outerShdw>
         </a:effectLst>
       </a:spPr>
-      <a:bodyPr rot="0" spcFirstLastPara="1" vertOverflow="overflow" horzOverflow="overflow" vert="horz" wrap="square" lIns="65023" tIns="65023" rIns="65023" bIns="65023" numCol="1" spcCol="38100" rtlCol="0" anchor="ctr" upright="0">
+      <a:bodyPr rot="0" spcFirstLastPara="1" vertOverflow="overflow" horzOverflow="overflow" vert="horz" wrap="square" lIns="65023" tIns="65023" rIns="65023" bIns="65023" numCol="1" spcCol="38100" rtlCol="0" anchor="ctr">
         <a:spAutoFit/>
       </a:bodyPr>
       <a:lstStyle>
@@ -6930,7 +7133,7 @@
           </a:outerShdw>
         </a:effectLst>
       </a:spPr>
-      <a:bodyPr rot="0" spcFirstLastPara="1" vertOverflow="overflow" horzOverflow="overflow" vert="horz" wrap="square" lIns="91439" tIns="45719" rIns="91439" bIns="45719" numCol="1" spcCol="38100" rtlCol="0" anchor="t" upright="0">
+      <a:bodyPr rot="0" spcFirstLastPara="1" vertOverflow="overflow" horzOverflow="overflow" vert="horz" wrap="square" lIns="91439" tIns="45719" rIns="91439" bIns="45719" numCol="1" spcCol="38100" rtlCol="0" anchor="t">
         <a:noAutofit/>
       </a:bodyPr>
       <a:lstStyle>
@@ -7206,7 +7409,7 @@
           <a:miter lim="400000"/>
         </a:ln>
       </a:spPr>
-      <a:bodyPr rot="0" spcFirstLastPara="1" vertOverflow="overflow" horzOverflow="overflow" vert="horz" wrap="square" lIns="65023" tIns="65023" rIns="65023" bIns="65023" numCol="1" spcCol="38100" rtlCol="0" anchor="t" upright="0">
+      <a:bodyPr rot="0" spcFirstLastPara="1" vertOverflow="overflow" horzOverflow="overflow" vert="horz" wrap="square" lIns="65023" tIns="65023" rIns="65023" bIns="65023" numCol="1" spcCol="38100" rtlCol="0" anchor="t">
         <a:spAutoFit/>
       </a:bodyPr>
       <a:lstStyle>
@@ -7479,6 +7682,7 @@
       </a:style>
     </a:txDef>
   </a:objectDefaults>
+  <a:extraClrSchemeLst/>
   <a:extLst>
     <a:ext uri="{05A4C25C-085E-4340-85A3-A5531E510DB2}">
       <thm15:themeFamily xmlns:thm15="http://schemas.microsoft.com/office/thememl/2012/main" name="Office Theme" id="{62F939B6-93AF-4DB8-9C6B-D6C7DFDC589F}" vid="{4A3C46E8-61CC-4603-A589-7422A47A8E4A}"/>
@@ -7713,7 +7917,7 @@
           </a:outerShdw>
         </a:effectLst>
       </a:spPr>
-      <a:bodyPr rot="0" spcFirstLastPara="1" vertOverflow="overflow" horzOverflow="overflow" vert="horz" wrap="square" lIns="65023" tIns="65023" rIns="65023" bIns="65023" numCol="1" spcCol="38100" rtlCol="0" anchor="ctr" upright="0">
+      <a:bodyPr rot="0" spcFirstLastPara="1" vertOverflow="overflow" horzOverflow="overflow" vert="horz" wrap="square" lIns="65023" tIns="65023" rIns="65023" bIns="65023" numCol="1" spcCol="38100" rtlCol="0" anchor="ctr">
         <a:spAutoFit/>
       </a:bodyPr>
       <a:lstStyle>
@@ -8003,7 +8207,7 @@
           </a:outerShdw>
         </a:effectLst>
       </a:spPr>
-      <a:bodyPr rot="0" spcFirstLastPara="1" vertOverflow="overflow" horzOverflow="overflow" vert="horz" wrap="square" lIns="91439" tIns="45719" rIns="91439" bIns="45719" numCol="1" spcCol="38100" rtlCol="0" anchor="t" upright="0">
+      <a:bodyPr rot="0" spcFirstLastPara="1" vertOverflow="overflow" horzOverflow="overflow" vert="horz" wrap="square" lIns="91439" tIns="45719" rIns="91439" bIns="45719" numCol="1" spcCol="38100" rtlCol="0" anchor="t">
         <a:noAutofit/>
       </a:bodyPr>
       <a:lstStyle>
@@ -8279,7 +8483,7 @@
           <a:miter lim="400000"/>
         </a:ln>
       </a:spPr>
-      <a:bodyPr rot="0" spcFirstLastPara="1" vertOverflow="overflow" horzOverflow="overflow" vert="horz" wrap="square" lIns="65023" tIns="65023" rIns="65023" bIns="65023" numCol="1" spcCol="38100" rtlCol="0" anchor="t" upright="0">
+      <a:bodyPr rot="0" spcFirstLastPara="1" vertOverflow="overflow" horzOverflow="overflow" vert="horz" wrap="square" lIns="65023" tIns="65023" rIns="65023" bIns="65023" numCol="1" spcCol="38100" rtlCol="0" anchor="t">
         <a:spAutoFit/>
       </a:bodyPr>
       <a:lstStyle>
@@ -8552,6 +8756,7 @@
       </a:style>
     </a:txDef>
   </a:objectDefaults>
+  <a:extraClrSchemeLst/>
   <a:extLst>
     <a:ext uri="{05A4C25C-085E-4340-85A3-A5531E510DB2}">
       <thm15:themeFamily xmlns:thm15="http://schemas.microsoft.com/office/thememl/2012/main" name="Office Theme" id="{62F939B6-93AF-4DB8-9C6B-D6C7DFDC589F}" vid="{4A3C46E8-61CC-4603-A589-7422A47A8E4A}"/>

--- a/src/sym/syme-intro.pptx
+++ b/src/sym/syme-intro.pptx
@@ -5,40 +5,41 @@
     <p:sldMasterId id="2147483648" r:id="rId1"/>
   </p:sldMasterIdLst>
   <p:notesMasterIdLst>
-    <p:notesMasterId r:id="rId28"/>
+    <p:notesMasterId r:id="rId30"/>
   </p:notesMasterIdLst>
   <p:sldIdLst>
-    <p:sldId id="256" r:id="rId2"/>
-    <p:sldId id="257" r:id="rId3"/>
-    <p:sldId id="258" r:id="rId4"/>
-    <p:sldId id="259" r:id="rId5"/>
-    <p:sldId id="260" r:id="rId6"/>
-    <p:sldId id="261" r:id="rId7"/>
-    <p:sldId id="262" r:id="rId8"/>
-    <p:sldId id="263" r:id="rId9"/>
-    <p:sldId id="264" r:id="rId10"/>
-    <p:sldId id="265" r:id="rId11"/>
-    <p:sldId id="266" r:id="rId12"/>
-    <p:sldId id="267" r:id="rId13"/>
-    <p:sldId id="268" r:id="rId14"/>
-    <p:sldId id="269" r:id="rId15"/>
-    <p:sldId id="270" r:id="rId16"/>
-    <p:sldId id="271" r:id="rId17"/>
-    <p:sldId id="272" r:id="rId18"/>
-    <p:sldId id="273" r:id="rId19"/>
-    <p:sldId id="274" r:id="rId20"/>
-    <p:sldId id="275" r:id="rId21"/>
-    <p:sldId id="276" r:id="rId22"/>
-    <p:sldId id="277" r:id="rId23"/>
-    <p:sldId id="278" r:id="rId24"/>
-    <p:sldId id="279" r:id="rId25"/>
-    <p:sldId id="280" r:id="rId26"/>
-    <p:sldId id="281" r:id="rId27"/>
+    <p:sldId id="256" r:id="rId3"/>
+    <p:sldId id="257" r:id="rId4"/>
+    <p:sldId id="258" r:id="rId5"/>
+    <p:sldId id="259" r:id="rId6"/>
+    <p:sldId id="260" r:id="rId7"/>
+    <p:sldId id="261" r:id="rId8"/>
+    <p:sldId id="262" r:id="rId9"/>
+    <p:sldId id="263" r:id="rId10"/>
+    <p:sldId id="264" r:id="rId11"/>
+    <p:sldId id="265" r:id="rId12"/>
+    <p:sldId id="282" r:id="rId13"/>
+    <p:sldId id="266" r:id="rId14"/>
+    <p:sldId id="267" r:id="rId15"/>
+    <p:sldId id="268" r:id="rId16"/>
+    <p:sldId id="269" r:id="rId17"/>
+    <p:sldId id="270" r:id="rId18"/>
+    <p:sldId id="271" r:id="rId19"/>
+    <p:sldId id="272" r:id="rId20"/>
+    <p:sldId id="273" r:id="rId21"/>
+    <p:sldId id="274" r:id="rId22"/>
+    <p:sldId id="275" r:id="rId23"/>
+    <p:sldId id="276" r:id="rId24"/>
+    <p:sldId id="277" r:id="rId25"/>
+    <p:sldId id="278" r:id="rId26"/>
+    <p:sldId id="279" r:id="rId27"/>
+    <p:sldId id="280" r:id="rId28"/>
+    <p:sldId id="281" r:id="rId29"/>
   </p:sldIdLst>
   <p:sldSz cx="13004800" cy="9753600"/>
   <p:notesSz cx="6858000" cy="9144000"/>
   <p:custDataLst>
-    <p:tags r:id="rId29"/>
+    <p:tags r:id="rId34"/>
   </p:custDataLst>
   <p:defaultTextStyle>
     <a:defPPr marL="0" marR="0" indent="0" algn="l" defTabSz="914400" rtl="0" fontAlgn="auto" latinLnBrk="1" hangingPunct="0">
@@ -375,9 +376,7 @@
         <p:txBody>
           <a:bodyPr/>
           <a:lstStyle/>
-          <a:p>
-            <a:endParaRPr/>
-          </a:p>
+          <a:p/>
         </p:txBody>
       </p:sp>
       <p:sp>
@@ -402,9 +401,7 @@
         <p:txBody>
           <a:bodyPr/>
           <a:lstStyle/>
-          <a:p>
-            <a:endParaRPr/>
-          </a:p>
+          <a:p/>
         </p:txBody>
       </p:sp>
     </p:spTree>
@@ -488,7 +485,7 @@
 </file>
 
 <file path=ppt/slideLayouts/slideLayout1.xml><?xml version="1.0" encoding="utf-8"?>
-<p:sldLayout xmlns:a="http://schemas.openxmlformats.org/drawingml/2006/main" xmlns:r="http://schemas.openxmlformats.org/officeDocument/2006/relationships" xmlns:p="http://schemas.openxmlformats.org/presentationml/2006/main" showMasterSp="0" type="title">
+<p:sldLayout xmlns:a="http://schemas.openxmlformats.org/drawingml/2006/main" xmlns:r="http://schemas.openxmlformats.org/officeDocument/2006/relationships" xmlns:p="http://schemas.openxmlformats.org/presentationml/2006/main" type="title" showMasterSp="0">
   <p:cSld name="标题幻灯片">
     <p:spTree>
       <p:nvGrpSpPr>
@@ -662,7 +659,6 @@
           <a:p>
             <a:fld id="{86CB4B4D-7CA3-9044-876B-883B54F8677D}" type="slidenum">
               <a:rPr/>
-              <a:t>‹#›</a:t>
             </a:fld>
             <a:endParaRPr/>
           </a:p>
@@ -678,7 +674,7 @@
 </file>
 
 <file path=ppt/slideLayouts/slideLayout10.xml><?xml version="1.0" encoding="utf-8"?>
-<p:sldLayout xmlns:a="http://schemas.openxmlformats.org/drawingml/2006/main" xmlns:r="http://schemas.openxmlformats.org/officeDocument/2006/relationships" xmlns:p="http://schemas.openxmlformats.org/presentationml/2006/main" showMasterSp="0" type="tx">
+<p:sldLayout xmlns:a="http://schemas.openxmlformats.org/drawingml/2006/main" xmlns:r="http://schemas.openxmlformats.org/officeDocument/2006/relationships" xmlns:p="http://schemas.openxmlformats.org/presentationml/2006/main" type="tx" showMasterSp="0">
   <p:cSld name="标题和竖排文字">
     <p:spTree>
       <p:nvGrpSpPr>
@@ -817,7 +813,6 @@
           <a:p>
             <a:fld id="{86CB4B4D-7CA3-9044-876B-883B54F8677D}" type="slidenum">
               <a:rPr/>
-              <a:t>‹#›</a:t>
             </a:fld>
             <a:endParaRPr/>
           </a:p>
@@ -833,7 +828,7 @@
 </file>
 
 <file path=ppt/slideLayouts/slideLayout11.xml><?xml version="1.0" encoding="utf-8"?>
-<p:sldLayout xmlns:a="http://schemas.openxmlformats.org/drawingml/2006/main" xmlns:r="http://schemas.openxmlformats.org/officeDocument/2006/relationships" xmlns:p="http://schemas.openxmlformats.org/presentationml/2006/main" showMasterSp="0" type="tx">
+<p:sldLayout xmlns:a="http://schemas.openxmlformats.org/drawingml/2006/main" xmlns:r="http://schemas.openxmlformats.org/officeDocument/2006/relationships" xmlns:p="http://schemas.openxmlformats.org/presentationml/2006/main" type="tx" showMasterSp="0">
   <p:cSld name="垂直排列标题与文本">
     <p:spTree>
       <p:nvGrpSpPr>
@@ -972,7 +967,6 @@
           <a:p>
             <a:fld id="{86CB4B4D-7CA3-9044-876B-883B54F8677D}" type="slidenum">
               <a:rPr/>
-              <a:t>‹#›</a:t>
             </a:fld>
             <a:endParaRPr/>
           </a:p>
@@ -988,7 +982,7 @@
 </file>
 
 <file path=ppt/slideLayouts/slideLayout12.xml><?xml version="1.0" encoding="utf-8"?>
-<p:sldLayout xmlns:a="http://schemas.openxmlformats.org/drawingml/2006/main" xmlns:r="http://schemas.openxmlformats.org/officeDocument/2006/relationships" xmlns:p="http://schemas.openxmlformats.org/presentationml/2006/main" showMasterSp="0" type="tx">
+<p:sldLayout xmlns:a="http://schemas.openxmlformats.org/drawingml/2006/main" xmlns:r="http://schemas.openxmlformats.org/officeDocument/2006/relationships" xmlns:p="http://schemas.openxmlformats.org/presentationml/2006/main" type="tx" showMasterSp="0">
   <p:cSld name="标题与副标题">
     <p:bg>
       <p:bgPr>
@@ -1229,7 +1223,6 @@
           <a:p>
             <a:fld id="{86CB4B4D-7CA3-9044-876B-883B54F8677D}" type="slidenum">
               <a:rPr/>
-              <a:t>‹#›</a:t>
             </a:fld>
             <a:endParaRPr/>
           </a:p>
@@ -1245,7 +1238,7 @@
 </file>
 
 <file path=ppt/slideLayouts/slideLayout13.xml><?xml version="1.0" encoding="utf-8"?>
-<p:sldLayout xmlns:a="http://schemas.openxmlformats.org/drawingml/2006/main" xmlns:r="http://schemas.openxmlformats.org/officeDocument/2006/relationships" xmlns:p="http://schemas.openxmlformats.org/presentationml/2006/main" showMasterSp="0" type="tx">
+<p:sldLayout xmlns:a="http://schemas.openxmlformats.org/drawingml/2006/main" xmlns:r="http://schemas.openxmlformats.org/officeDocument/2006/relationships" xmlns:p="http://schemas.openxmlformats.org/presentationml/2006/main" type="tx" showMasterSp="0">
   <p:cSld name="标题和内容">
     <p:bg>
       <p:bgPr>
@@ -1471,7 +1464,6 @@
           <a:p>
             <a:fld id="{86CB4B4D-7CA3-9044-876B-883B54F8677D}" type="slidenum">
               <a:rPr/>
-              <a:t>‹#›</a:t>
             </a:fld>
             <a:endParaRPr/>
           </a:p>
@@ -1598,7 +1590,6 @@
           <a:p>
             <a:fld id="{86CB4B4D-7CA3-9044-876B-883B54F8677D}" type="slidenum">
               <a:rPr/>
-              <a:t>‹#›</a:t>
             </a:fld>
             <a:endParaRPr/>
           </a:p>
@@ -1614,7 +1605,7 @@
 </file>
 
 <file path=ppt/slideLayouts/slideLayout3.xml><?xml version="1.0" encoding="utf-8"?>
-<p:sldLayout xmlns:a="http://schemas.openxmlformats.org/drawingml/2006/main" xmlns:r="http://schemas.openxmlformats.org/officeDocument/2006/relationships" xmlns:p="http://schemas.openxmlformats.org/presentationml/2006/main" showMasterSp="0" type="tx">
+<p:sldLayout xmlns:a="http://schemas.openxmlformats.org/drawingml/2006/main" xmlns:r="http://schemas.openxmlformats.org/officeDocument/2006/relationships" xmlns:p="http://schemas.openxmlformats.org/presentationml/2006/main" type="tx" showMasterSp="0">
   <p:cSld name="节标题">
     <p:spTree>
       <p:nvGrpSpPr>
@@ -1803,7 +1794,6 @@
           <a:p>
             <a:fld id="{86CB4B4D-7CA3-9044-876B-883B54F8677D}" type="slidenum">
               <a:rPr/>
-              <a:t>‹#›</a:t>
             </a:fld>
             <a:endParaRPr/>
           </a:p>
@@ -1819,7 +1809,7 @@
 </file>
 
 <file path=ppt/slideLayouts/slideLayout4.xml><?xml version="1.0" encoding="utf-8"?>
-<p:sldLayout xmlns:a="http://schemas.openxmlformats.org/drawingml/2006/main" xmlns:r="http://schemas.openxmlformats.org/officeDocument/2006/relationships" xmlns:p="http://schemas.openxmlformats.org/presentationml/2006/main" showMasterSp="0" type="tx">
+<p:sldLayout xmlns:a="http://schemas.openxmlformats.org/drawingml/2006/main" xmlns:r="http://schemas.openxmlformats.org/officeDocument/2006/relationships" xmlns:p="http://schemas.openxmlformats.org/presentationml/2006/main" type="tx" showMasterSp="0">
   <p:cSld name="两栏内容">
     <p:spTree>
       <p:nvGrpSpPr>
@@ -1973,7 +1963,6 @@
           <a:p>
             <a:fld id="{86CB4B4D-7CA3-9044-876B-883B54F8677D}" type="slidenum">
               <a:rPr/>
-              <a:t>‹#›</a:t>
             </a:fld>
             <a:endParaRPr/>
           </a:p>
@@ -1989,7 +1978,7 @@
 </file>
 
 <file path=ppt/slideLayouts/slideLayout5.xml><?xml version="1.0" encoding="utf-8"?>
-<p:sldLayout xmlns:a="http://schemas.openxmlformats.org/drawingml/2006/main" xmlns:r="http://schemas.openxmlformats.org/officeDocument/2006/relationships" xmlns:p="http://schemas.openxmlformats.org/presentationml/2006/main" showMasterSp="0" type="tx">
+<p:sldLayout xmlns:a="http://schemas.openxmlformats.org/drawingml/2006/main" xmlns:r="http://schemas.openxmlformats.org/officeDocument/2006/relationships" xmlns:p="http://schemas.openxmlformats.org/presentationml/2006/main" type="tx" showMasterSp="0">
   <p:cSld name="比较">
     <p:spTree>
       <p:nvGrpSpPr>
@@ -2169,7 +2158,6 @@
               <a:buNone/>
               <a:defRPr sz="3400" b="1"/>
             </a:pPr>
-            <a:endParaRPr/>
           </a:p>
         </p:txBody>
       </p:sp>
@@ -2194,7 +2182,6 @@
           <a:p>
             <a:fld id="{86CB4B4D-7CA3-9044-876B-883B54F8677D}" type="slidenum">
               <a:rPr/>
-              <a:t>‹#›</a:t>
             </a:fld>
             <a:endParaRPr/>
           </a:p>
@@ -2210,7 +2197,7 @@
 </file>
 
 <file path=ppt/slideLayouts/slideLayout6.xml><?xml version="1.0" encoding="utf-8"?>
-<p:sldLayout xmlns:a="http://schemas.openxmlformats.org/drawingml/2006/main" xmlns:r="http://schemas.openxmlformats.org/officeDocument/2006/relationships" xmlns:p="http://schemas.openxmlformats.org/presentationml/2006/main" showMasterSp="0" type="tx">
+<p:sldLayout xmlns:a="http://schemas.openxmlformats.org/drawingml/2006/main" xmlns:r="http://schemas.openxmlformats.org/officeDocument/2006/relationships" xmlns:p="http://schemas.openxmlformats.org/presentationml/2006/main" type="tx" showMasterSp="0">
   <p:cSld name="仅标题">
     <p:spTree>
       <p:nvGrpSpPr>
@@ -2280,7 +2267,6 @@
           <a:p>
             <a:fld id="{86CB4B4D-7CA3-9044-876B-883B54F8677D}" type="slidenum">
               <a:rPr/>
-              <a:t>‹#›</a:t>
             </a:fld>
             <a:endParaRPr/>
           </a:p>
@@ -2296,7 +2282,7 @@
 </file>
 
 <file path=ppt/slideLayouts/slideLayout7.xml><?xml version="1.0" encoding="utf-8"?>
-<p:sldLayout xmlns:a="http://schemas.openxmlformats.org/drawingml/2006/main" xmlns:r="http://schemas.openxmlformats.org/officeDocument/2006/relationships" xmlns:p="http://schemas.openxmlformats.org/presentationml/2006/main" showMasterSp="0" type="tx">
+<p:sldLayout xmlns:a="http://schemas.openxmlformats.org/drawingml/2006/main" xmlns:r="http://schemas.openxmlformats.org/officeDocument/2006/relationships" xmlns:p="http://schemas.openxmlformats.org/presentationml/2006/main" type="tx" showMasterSp="0">
   <p:cSld name="空白">
     <p:spTree>
       <p:nvGrpSpPr>
@@ -2333,7 +2319,6 @@
           <a:p>
             <a:fld id="{86CB4B4D-7CA3-9044-876B-883B54F8677D}" type="slidenum">
               <a:rPr/>
-              <a:t>‹#›</a:t>
             </a:fld>
             <a:endParaRPr/>
           </a:p>
@@ -2349,7 +2334,7 @@
 </file>
 
 <file path=ppt/slideLayouts/slideLayout8.xml><?xml version="1.0" encoding="utf-8"?>
-<p:sldLayout xmlns:a="http://schemas.openxmlformats.org/drawingml/2006/main" xmlns:r="http://schemas.openxmlformats.org/officeDocument/2006/relationships" xmlns:p="http://schemas.openxmlformats.org/presentationml/2006/main" showMasterSp="0" type="tx">
+<p:sldLayout xmlns:a="http://schemas.openxmlformats.org/drawingml/2006/main" xmlns:r="http://schemas.openxmlformats.org/officeDocument/2006/relationships" xmlns:p="http://schemas.openxmlformats.org/presentationml/2006/main" type="tx" showMasterSp="0">
   <p:cSld name="内容与标题">
     <p:spTree>
       <p:nvGrpSpPr>
@@ -2499,7 +2484,6 @@
               <a:buNone/>
               <a:defRPr sz="1800"/>
             </a:pPr>
-            <a:endParaRPr/>
           </a:p>
         </p:txBody>
       </p:sp>
@@ -2524,7 +2508,6 @@
           <a:p>
             <a:fld id="{86CB4B4D-7CA3-9044-876B-883B54F8677D}" type="slidenum">
               <a:rPr/>
-              <a:t>‹#›</a:t>
             </a:fld>
             <a:endParaRPr/>
           </a:p>
@@ -2540,7 +2523,7 @@
 </file>
 
 <file path=ppt/slideLayouts/slideLayout9.xml><?xml version="1.0" encoding="utf-8"?>
-<p:sldLayout xmlns:a="http://schemas.openxmlformats.org/drawingml/2006/main" xmlns:r="http://schemas.openxmlformats.org/officeDocument/2006/relationships" xmlns:p="http://schemas.openxmlformats.org/presentationml/2006/main" showMasterSp="0" type="tx">
+<p:sldLayout xmlns:a="http://schemas.openxmlformats.org/drawingml/2006/main" xmlns:r="http://schemas.openxmlformats.org/officeDocument/2006/relationships" xmlns:p="http://schemas.openxmlformats.org/presentationml/2006/main" type="tx" showMasterSp="0">
   <p:cSld name="图片与标题">
     <p:spTree>
       <p:nvGrpSpPr>
@@ -2613,9 +2596,7 @@
             <a:noAutofit/>
           </a:bodyPr>
           <a:lstStyle/>
-          <a:p>
-            <a:endParaRPr/>
-          </a:p>
+          <a:p/>
         </p:txBody>
       </p:sp>
       <p:sp>
@@ -2738,7 +2719,6 @@
           <a:p>
             <a:fld id="{86CB4B4D-7CA3-9044-876B-883B54F8677D}" type="slidenum">
               <a:rPr/>
-              <a:t>‹#›</a:t>
             </a:fld>
             <a:endParaRPr/>
           </a:p>
@@ -2759,7 +2739,7 @@
     <p:bg>
       <p:bgPr>
         <a:blipFill rotWithShape="1">
-          <a:blip r:embed="rId15"/>
+          <a:blip r:embed="rId14"/>
           <a:srcRect/>
           <a:stretch>
             <a:fillRect/>
@@ -2789,7 +2769,7 @@
           <p:nvPr/>
         </p:nvPicPr>
         <p:blipFill>
-          <a:blip r:embed="rId16"/>
+          <a:blip r:embed="rId15"/>
           <a:stretch>
             <a:fillRect/>
           </a:stretch>
@@ -2839,7 +2819,6 @@
             <a:pPr>
               <a:defRPr sz="2000"/>
             </a:pPr>
-            <a:endParaRPr/>
           </a:p>
         </p:txBody>
       </p:sp>
@@ -2947,7 +2926,7 @@
           <p:nvPr/>
         </p:nvPicPr>
         <p:blipFill>
-          <a:blip r:embed="rId17"/>
+          <a:blip r:embed="rId16"/>
           <a:stretch>
             <a:fillRect/>
           </a:stretch>
@@ -3052,7 +3031,6 @@
           <a:p>
             <a:fld id="{86CB4B4D-7CA3-9044-876B-883B54F8677D}" type="slidenum">
               <a:rPr/>
-              <a:t>‹#›</a:t>
             </a:fld>
             <a:endParaRPr/>
           </a:p>
@@ -3850,7 +3828,7 @@
     <p:bg>
       <p:bgPr>
         <a:blipFill rotWithShape="1">
-          <a:blip r:embed="rId2"/>
+          <a:blip r:embed="rId1"/>
           <a:srcRect/>
           <a:tile tx="0" ty="0" sx="100000" sy="100000" flip="none" algn="tl"/>
         </a:blipFill>
@@ -3880,7 +3858,7 @@
           <p:nvPr/>
         </p:nvPicPr>
         <p:blipFill>
-          <a:blip r:embed="rId3"/>
+          <a:blip r:embed="rId2"/>
           <a:stretch>
             <a:fillRect/>
           </a:stretch>
@@ -3911,8 +3889,8 @@
         </p:nvSpPr>
         <p:spPr>
           <a:xfrm>
-            <a:off x="4130261" y="2816553"/>
-            <a:ext cx="7118097" cy="892048"/>
+            <a:off x="4130040" y="2656205"/>
+            <a:ext cx="6666865" cy="1052830"/>
           </a:xfrm>
           <a:prstGeom prst="rect">
             <a:avLst/>
@@ -3922,7 +3900,7 @@
           </a:ln>
         </p:spPr>
         <p:txBody>
-          <a:bodyPr wrap="none" lIns="65023" tIns="65023" rIns="65023" bIns="65023" anchor="b">
+          <a:bodyPr wrap="square" lIns="65023" tIns="65023" rIns="65023" bIns="65023" anchor="b">
             <a:spAutoFit/>
           </a:bodyPr>
           <a:lstStyle/>
@@ -3959,8 +3937,8 @@
         </p:nvSpPr>
         <p:spPr>
           <a:xfrm>
-            <a:off x="1950719" y="6153784"/>
-            <a:ext cx="9103361" cy="2492588"/>
+            <a:off x="3074035" y="5271135"/>
+            <a:ext cx="7722870" cy="1135380"/>
           </a:xfrm>
           <a:prstGeom prst="rect">
             <a:avLst/>
@@ -3973,6 +3951,198 @@
             <a:r>
               <a:t>背景、功能以及技术架构简介</a:t>
             </a:r>
+          </a:p>
+        </p:txBody>
+      </p:sp>
+      <p:sp>
+        <p:nvSpPr>
+          <p:cNvPr id="2" name="文本框 1"/>
+          <p:cNvSpPr txBox="1"/>
+          <p:nvPr/>
+        </p:nvSpPr>
+        <p:spPr>
+          <a:xfrm>
+            <a:off x="8720455" y="7628890"/>
+            <a:ext cx="2076450" cy="406400"/>
+          </a:xfrm>
+          <a:prstGeom prst="rect">
+            <a:avLst/>
+          </a:prstGeom>
+          <a:noFill/>
+          <a:ln w="12700" cap="flat">
+            <a:noFill/>
+            <a:miter lim="400000"/>
+          </a:ln>
+        </p:spPr>
+        <p:style>
+          <a:lnRef idx="0">
+            <a:srgbClr val="FFFFFF"/>
+          </a:lnRef>
+          <a:fillRef idx="0">
+            <a:srgbClr val="FFFFFF"/>
+          </a:fillRef>
+          <a:effectRef idx="0">
+            <a:srgbClr val="FFFFFF"/>
+          </a:effectRef>
+          <a:fontRef idx="none"/>
+        </p:style>
+        <p:txBody>
+          <a:bodyPr rot="0" vertOverflow="overflow" horzOverflow="overflow" vert="horz" wrap="none" lIns="65023" tIns="65023" rIns="65023" bIns="65023" numCol="1" spcCol="38100" rtlCol="0" anchor="t" forceAA="0">
+            <a:spAutoFit/>
+          </a:bodyPr>
+          <a:p>
+            <a:pPr marL="0" marR="0" indent="0" algn="l" defTabSz="1300480" rtl="0" fontAlgn="auto" latinLnBrk="0" hangingPunct="0">
+              <a:lnSpc>
+                <a:spcPct val="100000"/>
+              </a:lnSpc>
+              <a:spcBef>
+                <a:spcPts val="0"/>
+              </a:spcBef>
+              <a:spcAft>
+                <a:spcPts val="0"/>
+              </a:spcAft>
+              <a:buClrTx/>
+              <a:buSzTx/>
+              <a:buFontTx/>
+              <a:buNone/>
+            </a:pPr>
+            <a:r>
+              <a:rPr kumimoji="0" lang="en-US" altLang="zh-CN" sz="1800" b="0" i="0" u="none" strike="noStrike" cap="none" spc="0" normalizeH="0" baseline="0">
+                <a:ln>
+                  <a:noFill/>
+                </a:ln>
+                <a:solidFill>
+                  <a:schemeClr val="tx2">
+                    <a:lumMod val="20000"/>
+                    <a:lumOff val="80000"/>
+                  </a:schemeClr>
+                </a:solidFill>
+                <a:effectLst/>
+                <a:uFillTx/>
+                <a:latin typeface="+mj-lt"/>
+                <a:ea typeface="+mj-ea"/>
+                <a:cs typeface="+mj-cs"/>
+                <a:sym typeface="Franklin Gothic Book" panose="020B0503020102020204"/>
+              </a:rPr>
+              <a:t>2020</a:t>
+            </a:r>
+            <a:r>
+              <a:rPr kumimoji="0" lang="zh-CN" altLang="en-US" sz="1800" b="0" i="0" u="none" strike="noStrike" cap="none" spc="0" normalizeH="0" baseline="0">
+                <a:ln>
+                  <a:noFill/>
+                </a:ln>
+                <a:solidFill>
+                  <a:schemeClr val="tx2">
+                    <a:lumMod val="20000"/>
+                    <a:lumOff val="80000"/>
+                  </a:schemeClr>
+                </a:solidFill>
+                <a:effectLst/>
+                <a:uFillTx/>
+                <a:latin typeface="+mj-lt"/>
+                <a:ea typeface="宋体" panose="02010600030101010101" pitchFamily="2" charset="-122"/>
+                <a:cs typeface="+mj-cs"/>
+                <a:sym typeface="Franklin Gothic Book" panose="020B0503020102020204"/>
+              </a:rPr>
+              <a:t>年</a:t>
+            </a:r>
+            <a:r>
+              <a:rPr kumimoji="0" lang="en-US" altLang="zh-CN" sz="1800" b="0" i="0" u="none" strike="noStrike" cap="none" spc="0" normalizeH="0" baseline="0">
+                <a:ln>
+                  <a:noFill/>
+                </a:ln>
+                <a:solidFill>
+                  <a:schemeClr val="tx2">
+                    <a:lumMod val="20000"/>
+                    <a:lumOff val="80000"/>
+                  </a:schemeClr>
+                </a:solidFill>
+                <a:effectLst/>
+                <a:uFillTx/>
+                <a:latin typeface="+mj-lt"/>
+                <a:ea typeface="宋体" panose="02010600030101010101" pitchFamily="2" charset="-122"/>
+                <a:cs typeface="+mj-cs"/>
+                <a:sym typeface="Franklin Gothic Book" panose="020B0503020102020204"/>
+              </a:rPr>
+              <a:t>6</a:t>
+            </a:r>
+            <a:r>
+              <a:rPr kumimoji="0" lang="zh-CN" altLang="en-US" sz="1800" b="0" i="0" u="none" strike="noStrike" cap="none" spc="0" normalizeH="0" baseline="0">
+                <a:ln>
+                  <a:noFill/>
+                </a:ln>
+                <a:solidFill>
+                  <a:schemeClr val="tx2">
+                    <a:lumMod val="20000"/>
+                    <a:lumOff val="80000"/>
+                  </a:schemeClr>
+                </a:solidFill>
+                <a:effectLst/>
+                <a:uFillTx/>
+                <a:latin typeface="+mj-lt"/>
+                <a:ea typeface="宋体" panose="02010600030101010101" pitchFamily="2" charset="-122"/>
+                <a:cs typeface="+mj-cs"/>
+                <a:sym typeface="Franklin Gothic Book" panose="020B0503020102020204"/>
+              </a:rPr>
+              <a:t>月</a:t>
+            </a:r>
+            <a:r>
+              <a:rPr kumimoji="0" lang="en-US" altLang="zh-CN" sz="1800" b="0" i="0" u="none" strike="noStrike" cap="none" spc="0" normalizeH="0" baseline="0">
+                <a:ln>
+                  <a:noFill/>
+                </a:ln>
+                <a:solidFill>
+                  <a:schemeClr val="tx2">
+                    <a:lumMod val="20000"/>
+                    <a:lumOff val="80000"/>
+                  </a:schemeClr>
+                </a:solidFill>
+                <a:effectLst/>
+                <a:uFillTx/>
+                <a:latin typeface="+mj-lt"/>
+                <a:ea typeface="宋体" panose="02010600030101010101" pitchFamily="2" charset="-122"/>
+                <a:cs typeface="+mj-cs"/>
+                <a:sym typeface="Franklin Gothic Book" panose="020B0503020102020204"/>
+              </a:rPr>
+              <a:t>8</a:t>
+            </a:r>
+            <a:r>
+              <a:rPr kumimoji="0" lang="zh-CN" altLang="en-US" sz="1800" b="0" i="0" u="none" strike="noStrike" cap="none" spc="0" normalizeH="0" baseline="0">
+                <a:ln>
+                  <a:noFill/>
+                </a:ln>
+                <a:solidFill>
+                  <a:schemeClr val="tx2">
+                    <a:lumMod val="20000"/>
+                    <a:lumOff val="80000"/>
+                  </a:schemeClr>
+                </a:solidFill>
+                <a:effectLst/>
+                <a:uFillTx/>
+                <a:latin typeface="+mj-lt"/>
+                <a:ea typeface="宋体" panose="02010600030101010101" pitchFamily="2" charset="-122"/>
+                <a:cs typeface="+mj-cs"/>
+                <a:sym typeface="Franklin Gothic Book" panose="020B0503020102020204"/>
+              </a:rPr>
+              <a:t>日更新</a:t>
+            </a:r>
+            <a:endParaRPr kumimoji="0" lang="zh-CN" altLang="en-US" sz="1800" b="0" i="0" u="none" strike="noStrike" cap="none" spc="0" normalizeH="0" baseline="0">
+              <a:ln>
+                <a:noFill/>
+              </a:ln>
+              <a:solidFill>
+                <a:schemeClr val="tx2">
+                  <a:lumMod val="20000"/>
+                  <a:lumOff val="80000"/>
+                </a:schemeClr>
+              </a:solidFill>
+              <a:effectLst/>
+              <a:uFillTx/>
+              <a:latin typeface="+mj-lt"/>
+              <a:ea typeface="宋体" panose="02010600030101010101" pitchFamily="2" charset="-122"/>
+              <a:cs typeface="+mj-cs"/>
+              <a:sym typeface="Franklin Gothic Book" panose="020B0503020102020204"/>
+            </a:endParaRPr>
           </a:p>
         </p:txBody>
       </p:sp>
@@ -4085,129 +4255,76 @@
         <p:cNvGrpSpPr/>
         <p:nvPr/>
       </p:nvGrpSpPr>
-      <p:grpSpPr>
-        <a:xfrm>
-          <a:off x="0" y="0"/>
-          <a:ext cx="0" cy="0"/>
-          <a:chOff x="0" y="0"/>
-          <a:chExt cx="0" cy="0"/>
-        </a:xfrm>
-      </p:grpSpPr>
-      <p:sp>
-        <p:nvSpPr>
-          <p:cNvPr id="165" name="标题 1"/>
-          <p:cNvSpPr txBox="1">
+      <p:grpSpPr/>
+      <p:sp>
+        <p:nvSpPr>
+          <p:cNvPr id="2" name="标题 1"/>
+          <p:cNvSpPr>
             <a:spLocks noGrp="1"/>
           </p:cNvSpPr>
           <p:nvPr>
             <p:ph type="title"/>
           </p:nvPr>
         </p:nvSpPr>
-        <p:spPr>
-          <a:prstGeom prst="rect">
-            <a:avLst/>
-          </a:prstGeom>
-        </p:spPr>
+        <p:spPr/>
         <p:txBody>
           <a:bodyPr/>
-          <a:lstStyle/>
-          <a:p>
-            <a:r>
-              <a:t>隐私系统</a:t>
-            </a:r>
-          </a:p>
-        </p:txBody>
-      </p:sp>
-      <p:sp>
-        <p:nvSpPr>
-          <p:cNvPr id="166" name="内容占位符 2"/>
-          <p:cNvSpPr txBox="1">
+          <a:p>
+            <a:r>
+              <a:rPr lang="zh-CN" altLang="en-US"/>
+              <a:t>主持人系统</a:t>
+            </a:r>
+            <a:endParaRPr lang="zh-CN" altLang="en-US"/>
+          </a:p>
+        </p:txBody>
+      </p:sp>
+      <p:sp>
+        <p:nvSpPr>
+          <p:cNvPr id="3" name="文本占位符 2"/>
+          <p:cNvSpPr>
             <a:spLocks noGrp="1"/>
           </p:cNvSpPr>
           <p:nvPr>
             <p:ph type="body" idx="1"/>
           </p:nvPr>
         </p:nvSpPr>
-        <p:spPr>
-          <a:prstGeom prst="rect">
-            <a:avLst/>
-          </a:prstGeom>
-        </p:spPr>
+        <p:spPr/>
         <p:txBody>
           <a:bodyPr/>
-          <a:lstStyle/>
-          <a:p>
-            <a:r>
-              <a:t>内容可见性控制（打赏区、仅楼主可见、禁止非登录浏览等）</a:t>
-            </a:r>
-          </a:p>
-          <a:p>
-            <a:r>
-              <a:t>用户隐私开关</a:t>
-            </a:r>
-          </a:p>
-        </p:txBody>
-      </p:sp>
-      <p:pic>
-        <p:nvPicPr>
-          <p:cNvPr id="2" name="图片 1">
-            <a:extLst>
-              <a:ext uri="{FF2B5EF4-FFF2-40B4-BE49-F238E27FC236}">
-                <a16:creationId xmlns:a16="http://schemas.microsoft.com/office/drawing/2014/main" id="{662CA979-92E0-274B-B478-466866FD0350}"/>
-              </a:ext>
-            </a:extLst>
-          </p:cNvPr>
-          <p:cNvPicPr>
-            <a:picLocks noChangeAspect="1"/>
-          </p:cNvPicPr>
-          <p:nvPr/>
-        </p:nvPicPr>
-        <p:blipFill>
-          <a:blip r:embed="rId2"/>
-          <a:stretch>
-            <a:fillRect/>
-          </a:stretch>
-        </p:blipFill>
-        <p:spPr>
-          <a:xfrm>
-            <a:off x="609599" y="4740536"/>
-            <a:ext cx="4948519" cy="4453668"/>
-          </a:xfrm>
-          <a:prstGeom prst="rect">
-            <a:avLst/>
-          </a:prstGeom>
-        </p:spPr>
-      </p:pic>
-      <p:pic>
-        <p:nvPicPr>
-          <p:cNvPr id="3" name="图片 2">
-            <a:extLst>
-              <a:ext uri="{FF2B5EF4-FFF2-40B4-BE49-F238E27FC236}">
-                <a16:creationId xmlns:a16="http://schemas.microsoft.com/office/drawing/2014/main" id="{9D47DEA9-16FA-2D42-BEC1-1C4A0894C8E9}"/>
-              </a:ext>
-            </a:extLst>
-          </p:cNvPr>
-          <p:cNvPicPr>
-            <a:picLocks noChangeAspect="1"/>
-          </p:cNvPicPr>
-          <p:nvPr/>
-        </p:nvPicPr>
-        <p:blipFill>
-          <a:blip r:embed="rId3"/>
-          <a:stretch>
-            <a:fillRect/>
-          </a:stretch>
-        </p:blipFill>
-        <p:spPr>
-          <a:xfrm>
-            <a:off x="6029298" y="4740536"/>
-            <a:ext cx="5601286" cy="4453668"/>
-          </a:xfrm>
-          <a:prstGeom prst="rect">
-            <a:avLst/>
-          </a:prstGeom>
-        </p:spPr>
-      </p:pic>
+          <a:p>
+            <a:r>
+              <a:rPr lang="zh-CN" altLang="en-US"/>
+              <a:t>主持人类似传统论坛的版主，可更新管辖范围内的帖子、回帖和评论等内容</a:t>
+            </a:r>
+            <a:endParaRPr lang="zh-CN" altLang="en-US"/>
+          </a:p>
+          <a:p>
+            <a:r>
+              <a:rPr lang="zh-CN" altLang="en-US"/>
+              <a:t>根据管辖范围不同，分为标签主持人、领域主持人</a:t>
+            </a:r>
+            <a:endParaRPr lang="zh-CN" altLang="en-US"/>
+          </a:p>
+          <a:p>
+            <a:r>
+              <a:rPr lang="zh-CN" altLang="en-US"/>
+              <a:t>主持人权限可配置是否传播（由主持人再授权其他人成为主持人）</a:t>
+            </a:r>
+            <a:endParaRPr lang="zh-CN" altLang="en-US"/>
+          </a:p>
+          <a:p>
+            <a:r>
+              <a:rPr lang="zh-CN" altLang="en-US">
+                <a:ea typeface="宋体" panose="02010600030101010101" pitchFamily="2" charset="-122"/>
+              </a:rPr>
+              <a:t>主持人更新内容操作前台可浏览更新历史，后台生成审计日志</a:t>
+            </a:r>
+            <a:endParaRPr lang="zh-CN" altLang="en-US">
+              <a:ea typeface="宋体" panose="02010600030101010101" pitchFamily="2" charset="-122"/>
+            </a:endParaRPr>
+          </a:p>
+        </p:txBody>
+      </p:sp>
     </p:spTree>
   </p:cSld>
   <p:clrMapOvr>
@@ -4236,7 +4353,7 @@
       </p:grpSpPr>
       <p:sp>
         <p:nvSpPr>
-          <p:cNvPr id="169" name="标题 1"/>
+          <p:cNvPr id="165" name="标题 1"/>
           <p:cNvSpPr txBox="1">
             <a:spLocks noGrp="1"/>
           </p:cNvSpPr>
@@ -4254,14 +4371,14 @@
           <a:lstStyle/>
           <a:p>
             <a:r>
-              <a:t>通知系统</a:t>
-            </a:r>
-          </a:p>
-        </p:txBody>
-      </p:sp>
-      <p:sp>
-        <p:nvSpPr>
-          <p:cNvPr id="170" name="内容占位符 2"/>
+              <a:t>隐私系统</a:t>
+            </a:r>
+          </a:p>
+        </p:txBody>
+      </p:sp>
+      <p:sp>
+        <p:nvSpPr>
+          <p:cNvPr id="166" name="内容占位符 2"/>
           <p:cNvSpPr txBox="1">
             <a:spLocks noGrp="1"/>
           </p:cNvSpPr>
@@ -4279,26 +4396,64 @@
           <a:lstStyle/>
           <a:p>
             <a:r>
-              <a:t>详细的通知分类</a:t>
-            </a:r>
-          </a:p>
-          <a:p>
-            <a:r>
-              <a:t>WebSocket实时通知</a:t>
-            </a:r>
-          </a:p>
-          <a:p>
-            <a:r>
-              <a:t>合并频繁通知，减少打扰用户</a:t>
-            </a:r>
-          </a:p>
-          <a:p>
-            <a:r>
-              <a:t>支持浏览器离线通知（Chrome、FF、Edge）</a:t>
-            </a:r>
-          </a:p>
-        </p:txBody>
-      </p:sp>
+              <a:t>内容可见性控制（打赏区、仅楼主可见、禁止非登录浏览等）</a:t>
+            </a:r>
+          </a:p>
+          <a:p>
+            <a:r>
+              <a:t>用户隐私开关</a:t>
+            </a:r>
+          </a:p>
+        </p:txBody>
+      </p:sp>
+      <p:pic>
+        <p:nvPicPr>
+          <p:cNvPr id="2" name="图片 1"/>
+          <p:cNvPicPr>
+            <a:picLocks noChangeAspect="1"/>
+          </p:cNvPicPr>
+          <p:nvPr/>
+        </p:nvPicPr>
+        <p:blipFill>
+          <a:blip r:embed="rId1"/>
+          <a:stretch>
+            <a:fillRect/>
+          </a:stretch>
+        </p:blipFill>
+        <p:spPr>
+          <a:xfrm>
+            <a:off x="609599" y="4740536"/>
+            <a:ext cx="4948519" cy="4453668"/>
+          </a:xfrm>
+          <a:prstGeom prst="rect">
+            <a:avLst/>
+          </a:prstGeom>
+        </p:spPr>
+      </p:pic>
+      <p:pic>
+        <p:nvPicPr>
+          <p:cNvPr id="3" name="图片 2"/>
+          <p:cNvPicPr>
+            <a:picLocks noChangeAspect="1"/>
+          </p:cNvPicPr>
+          <p:nvPr/>
+        </p:nvPicPr>
+        <p:blipFill>
+          <a:blip r:embed="rId2"/>
+          <a:stretch>
+            <a:fillRect/>
+          </a:stretch>
+        </p:blipFill>
+        <p:spPr>
+          <a:xfrm>
+            <a:off x="6029298" y="4740536"/>
+            <a:ext cx="5601286" cy="4453668"/>
+          </a:xfrm>
+          <a:prstGeom prst="rect">
+            <a:avLst/>
+          </a:prstGeom>
+        </p:spPr>
+      </p:pic>
     </p:spTree>
   </p:cSld>
   <p:clrMapOvr>
@@ -4327,7 +4482,7 @@
       </p:grpSpPr>
       <p:sp>
         <p:nvSpPr>
-          <p:cNvPr id="172" name="标题 1"/>
+          <p:cNvPr id="169" name="标题 1"/>
           <p:cNvSpPr txBox="1">
             <a:spLocks noGrp="1"/>
           </p:cNvSpPr>
@@ -4345,14 +4500,14 @@
           <a:lstStyle/>
           <a:p>
             <a:r>
-              <a:t>举报系统</a:t>
-            </a:r>
-          </a:p>
-        </p:txBody>
-      </p:sp>
-      <p:sp>
-        <p:nvSpPr>
-          <p:cNvPr id="173" name="内容占位符 2"/>
+              <a:t>通知系统</a:t>
+            </a:r>
+          </a:p>
+        </p:txBody>
+      </p:sp>
+      <p:sp>
+        <p:nvSpPr>
+          <p:cNvPr id="170" name="内容占位符 2"/>
           <p:cNvSpPr txBox="1">
             <a:spLocks noGrp="1"/>
           </p:cNvSpPr>
@@ -4370,17 +4525,22 @@
           <a:lstStyle/>
           <a:p>
             <a:r>
-              <a:t>举报用户</a:t>
-            </a:r>
-          </a:p>
-          <a:p>
-            <a:r>
-              <a:t>举报帖子</a:t>
-            </a:r>
-          </a:p>
-          <a:p>
-            <a:r>
-              <a:t>举报内容可进行忽略/奖励</a:t>
+              <a:t>详细的通知分类</a:t>
+            </a:r>
+          </a:p>
+          <a:p>
+            <a:r>
+              <a:t>WebSocket实时通知</a:t>
+            </a:r>
+          </a:p>
+          <a:p>
+            <a:r>
+              <a:t>合并频繁通知，减少打扰用户</a:t>
+            </a:r>
+          </a:p>
+          <a:p>
+            <a:r>
+              <a:t>支持浏览器离线通知（Chrome、FF、Edge）</a:t>
             </a:r>
           </a:p>
         </p:txBody>
@@ -4413,7 +4573,7 @@
       </p:grpSpPr>
       <p:sp>
         <p:nvSpPr>
-          <p:cNvPr id="175" name="标题 1"/>
+          <p:cNvPr id="172" name="标题 1"/>
           <p:cNvSpPr txBox="1">
             <a:spLocks noGrp="1"/>
           </p:cNvSpPr>
@@ -4431,14 +4591,14 @@
           <a:lstStyle/>
           <a:p>
             <a:r>
-              <a:t>搜索系统</a:t>
-            </a:r>
-          </a:p>
-        </p:txBody>
-      </p:sp>
-      <p:sp>
-        <p:nvSpPr>
-          <p:cNvPr id="176" name="内容占位符 2"/>
+              <a:t>举报系统</a:t>
+            </a:r>
+          </a:p>
+        </p:txBody>
+      </p:sp>
+      <p:sp>
+        <p:nvSpPr>
+          <p:cNvPr id="173" name="内容占位符 2"/>
           <p:cNvSpPr txBox="1">
             <a:spLocks noGrp="1"/>
           </p:cNvSpPr>
@@ -4456,12 +4616,17 @@
           <a:lstStyle/>
           <a:p>
             <a:r>
-              <a:t>零开发对接Algolia</a:t>
-            </a:r>
-          </a:p>
-          <a:p>
-            <a:r>
-              <a:t>少量二开对接Elasticsearch</a:t>
+              <a:t>举报用户</a:t>
+            </a:r>
+          </a:p>
+          <a:p>
+            <a:r>
+              <a:t>举报帖子</a:t>
+            </a:r>
+          </a:p>
+          <a:p>
+            <a:r>
+              <a:t>举报内容可进行忽略/奖励</a:t>
             </a:r>
           </a:p>
         </p:txBody>
@@ -4494,7 +4659,7 @@
       </p:grpSpPr>
       <p:sp>
         <p:nvSpPr>
-          <p:cNvPr id="178" name="标题 1"/>
+          <p:cNvPr id="175" name="标题 1"/>
           <p:cNvSpPr txBox="1">
             <a:spLocks noGrp="1"/>
           </p:cNvSpPr>
@@ -4512,14 +4677,14 @@
           <a:lstStyle/>
           <a:p>
             <a:r>
-              <a:t>微信、第三方账号相关</a:t>
-            </a:r>
-          </a:p>
-        </p:txBody>
-      </p:sp>
-      <p:sp>
-        <p:nvSpPr>
-          <p:cNvPr id="179" name="内容占位符 2"/>
+              <a:t>搜索系统</a:t>
+            </a:r>
+          </a:p>
+        </p:txBody>
+      </p:sp>
+      <p:sp>
+        <p:nvSpPr>
+          <p:cNvPr id="176" name="内容占位符 2"/>
           <p:cNvSpPr txBox="1">
             <a:spLocks noGrp="1"/>
           </p:cNvSpPr>
@@ -4537,12 +4702,7 @@
           <a:lstStyle/>
           <a:p>
             <a:r>
-              <a:t>微信公众号、小程序对接</a:t>
-            </a:r>
-          </a:p>
-          <a:p>
-            <a:r>
-              <a:t>支持通过微博、QQ、微信账号登录</a:t>
+              <a:t>少量二开对接Elasticsearch</a:t>
             </a:r>
           </a:p>
         </p:txBody>
@@ -4575,7 +4735,7 @@
       </p:grpSpPr>
       <p:sp>
         <p:nvSpPr>
-          <p:cNvPr id="181" name="标题 1"/>
+          <p:cNvPr id="178" name="标题 1"/>
           <p:cNvSpPr txBox="1">
             <a:spLocks noGrp="1"/>
           </p:cNvSpPr>
@@ -4593,14 +4753,14 @@
           <a:lstStyle/>
           <a:p>
             <a:r>
-              <a:t>API</a:t>
-            </a:r>
-          </a:p>
-        </p:txBody>
-      </p:sp>
-      <p:sp>
-        <p:nvSpPr>
-          <p:cNvPr id="182" name="内容占位符 2"/>
+              <a:t>微信、第三方账号相关</a:t>
+            </a:r>
+          </a:p>
+        </p:txBody>
+      </p:sp>
+      <p:sp>
+        <p:nvSpPr>
+          <p:cNvPr id="179" name="内容占位符 2"/>
           <p:cNvSpPr txBox="1">
             <a:spLocks noGrp="1"/>
           </p:cNvSpPr>
@@ -4618,22 +4778,12 @@
           <a:lstStyle/>
           <a:p>
             <a:r>
-              <a:t>提供丰富的API给APP客户端或者其他系统进行交互联动</a:t>
-            </a:r>
-          </a:p>
-          <a:p>
-            <a:r>
-              <a:rPr u="sng">
-                <a:solidFill>
-                  <a:srgbClr val="0563C1"/>
-                </a:solidFill>
-                <a:uFill>
-                  <a:solidFill>
-                    <a:srgbClr val="0563C1"/>
-                  </a:solidFill>
-                </a:uFill>
-              </a:rPr>
-              <a:t>API文档</a:t>
+              <a:t>微信公众号、小程序对接</a:t>
+            </a:r>
+          </a:p>
+          <a:p>
+            <a:r>
+              <a:t>支持通过微博、QQ、微信账号登录</a:t>
             </a:r>
           </a:p>
         </p:txBody>
@@ -4666,7 +4816,7 @@
       </p:grpSpPr>
       <p:sp>
         <p:nvSpPr>
-          <p:cNvPr id="184" name="标题 1"/>
+          <p:cNvPr id="181" name="标题 1"/>
           <p:cNvSpPr txBox="1">
             <a:spLocks noGrp="1"/>
           </p:cNvSpPr>
@@ -4684,14 +4834,14 @@
           <a:lstStyle/>
           <a:p>
             <a:r>
-              <a:t>其他功能</a:t>
-            </a:r>
-          </a:p>
-        </p:txBody>
-      </p:sp>
-      <p:sp>
-        <p:nvSpPr>
-          <p:cNvPr id="185" name="内容占位符 2"/>
+              <a:t>API</a:t>
+            </a:r>
+          </a:p>
+        </p:txBody>
+      </p:sp>
+      <p:sp>
+        <p:nvSpPr>
+          <p:cNvPr id="182" name="内容占位符 2"/>
           <p:cNvSpPr txBox="1">
             <a:spLocks noGrp="1"/>
           </p:cNvSpPr>
@@ -4708,139 +4858,34 @@
           <a:bodyPr/>
           <a:lstStyle/>
           <a:p>
-            <a:pPr marL="316865" indent="-316865" defTabSz="1287145">
-              <a:lnSpc>
-                <a:spcPct val="81000"/>
-              </a:lnSpc>
-              <a:defRPr sz="2770"/>
-            </a:pPr>
-            <a:r>
-              <a:t>简单的微博</a:t>
-            </a:r>
-          </a:p>
-          <a:p>
-            <a:pPr marL="316865" indent="-316865" defTabSz="1287145">
-              <a:lnSpc>
-                <a:spcPct val="81000"/>
-              </a:lnSpc>
-              <a:defRPr sz="2770"/>
-            </a:pPr>
-            <a:r>
-              <a:t>注销账号</a:t>
-            </a:r>
-          </a:p>
-          <a:p>
-            <a:pPr marL="316865" indent="-316865" defTabSz="1287145">
-              <a:lnSpc>
-                <a:spcPct val="81000"/>
-              </a:lnSpc>
-              <a:defRPr sz="2770"/>
-            </a:pPr>
-            <a:r>
-              <a:t>语音摘要</a:t>
-            </a:r>
-          </a:p>
-          <a:p>
-            <a:pPr marL="316865" indent="-316865" defTabSz="1287145">
-              <a:lnSpc>
-                <a:spcPct val="81000"/>
-              </a:lnSpc>
-              <a:defRPr sz="2770"/>
-            </a:pPr>
-            <a:r>
-              <a:t>快捷键</a:t>
-            </a:r>
-          </a:p>
-          <a:p>
-            <a:pPr marL="316865" indent="-316865" defTabSz="1287145">
-              <a:lnSpc>
-                <a:spcPct val="81000"/>
-              </a:lnSpc>
-              <a:defRPr sz="2770"/>
-            </a:pPr>
-            <a:r>
-              <a:t>匿名发帖</a:t>
-            </a:r>
-          </a:p>
-          <a:p>
-            <a:pPr marL="316865" indent="-316865" defTabSz="1287145">
-              <a:lnSpc>
-                <a:spcPct val="81000"/>
-              </a:lnSpc>
-              <a:defRPr sz="2770"/>
-            </a:pPr>
-            <a:r>
-              <a:t>音视频播放</a:t>
-            </a:r>
-          </a:p>
-          <a:p>
-            <a:pPr marL="316865" indent="-316865" defTabSz="1287145">
-              <a:lnSpc>
-                <a:spcPct val="81000"/>
-              </a:lnSpc>
-              <a:defRPr sz="2770"/>
-            </a:pPr>
-            <a:r>
-              <a:t>录音发帖</a:t>
-            </a:r>
-          </a:p>
-          <a:p>
-            <a:pPr marL="316865" indent="-316865" defTabSz="1287145">
-              <a:lnSpc>
-                <a:spcPct val="81000"/>
-              </a:lnSpc>
-              <a:defRPr sz="2770"/>
-            </a:pPr>
-            <a:r>
-              <a:rPr lang="zh-CN">
-                <a:ea typeface="宋体" panose="02010600030101010101" pitchFamily="2" charset="-122"/>
+            <a:r>
+              <a:t>提供丰富的API给APP客户端或者其他系统进行交互联动</a:t>
+            </a:r>
+          </a:p>
+          <a:p>
+            <a:r>
+              <a:rPr u="sng">
+                <a:solidFill>
+                  <a:srgbClr val="0563C1"/>
+                </a:solidFill>
+                <a:uFill>
+                  <a:solidFill>
+                    <a:srgbClr val="0563C1"/>
+                  </a:solidFill>
+                </a:uFill>
               </a:rPr>
-              <a:t>投票表单</a:t>
-            </a:r>
-          </a:p>
-          <a:p>
-            <a:pPr marL="316865" indent="-316865" defTabSz="1287145">
-              <a:lnSpc>
-                <a:spcPct val="81000"/>
-              </a:lnSpc>
-              <a:defRPr sz="2770"/>
-            </a:pPr>
-            <a:r>
-              <a:t>多主题</a:t>
-            </a:r>
-          </a:p>
-          <a:p>
-            <a:pPr marL="316865" indent="-316865" defTabSz="1287145">
-              <a:lnSpc>
-                <a:spcPct val="81000"/>
-              </a:lnSpc>
-              <a:defRPr sz="2770"/>
-            </a:pPr>
-            <a:r>
-              <a:t>多维度用户数据统计</a:t>
-            </a:r>
-          </a:p>
-          <a:p>
-            <a:pPr marL="316865" indent="-316865" defTabSz="1287145">
-              <a:lnSpc>
-                <a:spcPct val="81000"/>
-              </a:lnSpc>
-              <a:defRPr sz="2770"/>
-            </a:pPr>
-            <a:r>
-              <a:t>多语言国际化</a:t>
-            </a:r>
-          </a:p>
-          <a:p>
-            <a:pPr marL="316865" indent="-316865" defTabSz="1287145">
-              <a:lnSpc>
-                <a:spcPct val="81000"/>
-              </a:lnSpc>
-              <a:defRPr sz="2770"/>
-            </a:pPr>
-            <a:r>
-              <a:t>……</a:t>
-            </a:r>
+              <a:t>API文档</a:t>
+            </a:r>
+            <a:endParaRPr u="sng">
+              <a:solidFill>
+                <a:srgbClr val="0563C1"/>
+              </a:solidFill>
+              <a:uFill>
+                <a:solidFill>
+                  <a:srgbClr val="0563C1"/>
+                </a:solidFill>
+              </a:uFill>
+            </a:endParaRPr>
           </a:p>
         </p:txBody>
       </p:sp>
@@ -4872,7 +4917,7 @@
       </p:grpSpPr>
       <p:sp>
         <p:nvSpPr>
-          <p:cNvPr id="187" name="标题 1"/>
+          <p:cNvPr id="184" name="标题 1"/>
           <p:cNvSpPr txBox="1">
             <a:spLocks noGrp="1"/>
           </p:cNvSpPr>
@@ -4890,14 +4935,14 @@
           <a:lstStyle/>
           <a:p>
             <a:r>
-              <a:t>环境搭建</a:t>
-            </a:r>
-          </a:p>
-        </p:txBody>
-      </p:sp>
-      <p:sp>
-        <p:nvSpPr>
-          <p:cNvPr id="188" name="内容占位符 2"/>
+              <a:t>其他功能</a:t>
+            </a:r>
+          </a:p>
+        </p:txBody>
+      </p:sp>
+      <p:sp>
+        <p:nvSpPr>
+          <p:cNvPr id="185" name="内容占位符 2"/>
           <p:cNvSpPr txBox="1">
             <a:spLocks noGrp="1"/>
           </p:cNvSpPr>
@@ -4914,48 +4959,175 @@
           <a:bodyPr/>
           <a:lstStyle/>
           <a:p>
-            <a:r>
-              <a:t>JDK 8</a:t>
-            </a:r>
-          </a:p>
-          <a:p>
-            <a:r>
-              <a:t>MySQL 5.7+</a:t>
-            </a:r>
-          </a:p>
-          <a:p>
-            <a:r>
-              <a:t>Tomcat/Jetty 9</a:t>
-            </a:r>
-          </a:p>
-          <a:p>
-            <a:r>
-              <a:t>Maven</a:t>
-            </a:r>
-          </a:p>
-          <a:p>
-            <a:endParaRPr/>
-          </a:p>
-          <a:p>
-            <a:pPr marL="0" indent="0">
-              <a:buSzTx/>
-              <a:buNone/>
+            <a:pPr marL="316865" indent="-316865" defTabSz="1287145">
+              <a:lnSpc>
+                <a:spcPct val="81000"/>
+              </a:lnSpc>
+              <a:defRPr sz="2770"/>
             </a:pPr>
             <a:r>
-              <a:t>细节请参考</a:t>
-            </a:r>
-            <a:r>
-              <a:rPr u="sng">
-                <a:solidFill>
-                  <a:srgbClr val="0563C1"/>
-                </a:solidFill>
-                <a:uFill>
-                  <a:solidFill>
-                    <a:srgbClr val="0563C1"/>
-                  </a:solidFill>
-                </a:uFill>
+              <a:rPr lang="zh-CN">
+                <a:ea typeface="宋体" panose="02010600030101010101" pitchFamily="2" charset="-122"/>
               </a:rPr>
-              <a:t>《Sym安装指南》</a:t>
+              <a:t>清风明月（</a:t>
+            </a:r>
+            <a:r>
+              <a:t>简单的</a:t>
+            </a:r>
+            <a:r>
+              <a:rPr lang="en-US"/>
+              <a:t>“</a:t>
+            </a:r>
+            <a:r>
+              <a:rPr lang="zh-CN">
+                <a:ea typeface="宋体" panose="02010600030101010101" pitchFamily="2" charset="-122"/>
+              </a:rPr>
+              <a:t>说说</a:t>
+            </a:r>
+            <a:r>
+              <a:rPr lang="en-US" altLang="zh-CN">
+                <a:ea typeface="宋体" panose="02010600030101010101" pitchFamily="2" charset="-122"/>
+              </a:rPr>
+              <a:t>”</a:t>
+            </a:r>
+            <a:r>
+              <a:rPr lang="zh-CN" altLang="en-US">
+                <a:ea typeface="宋体" panose="02010600030101010101" pitchFamily="2" charset="-122"/>
+              </a:rPr>
+              <a:t>功能</a:t>
+            </a:r>
+            <a:r>
+              <a:rPr lang="zh-CN">
+                <a:ea typeface="宋体" panose="02010600030101010101" pitchFamily="2" charset="-122"/>
+              </a:rPr>
+              <a:t>）</a:t>
+            </a:r>
+          </a:p>
+          <a:p>
+            <a:pPr marL="316865" indent="-316865" defTabSz="1287145">
+              <a:lnSpc>
+                <a:spcPct val="81000"/>
+              </a:lnSpc>
+              <a:defRPr sz="2770"/>
+            </a:pPr>
+            <a:r>
+              <a:t>注销账号</a:t>
+            </a:r>
+          </a:p>
+          <a:p>
+            <a:pPr marL="316865" indent="-316865" defTabSz="1287145">
+              <a:lnSpc>
+                <a:spcPct val="81000"/>
+              </a:lnSpc>
+              <a:defRPr sz="2770"/>
+            </a:pPr>
+            <a:r>
+              <a:t>语音摘要</a:t>
+            </a:r>
+          </a:p>
+          <a:p>
+            <a:pPr marL="316865" indent="-316865" defTabSz="1287145">
+              <a:lnSpc>
+                <a:spcPct val="81000"/>
+              </a:lnSpc>
+              <a:defRPr sz="2770"/>
+            </a:pPr>
+            <a:r>
+              <a:t>快捷键</a:t>
+            </a:r>
+          </a:p>
+          <a:p>
+            <a:pPr marL="316865" indent="-316865" defTabSz="1287145">
+              <a:lnSpc>
+                <a:spcPct val="81000"/>
+              </a:lnSpc>
+              <a:defRPr sz="2770"/>
+            </a:pPr>
+            <a:r>
+              <a:t>匿名发帖</a:t>
+            </a:r>
+          </a:p>
+          <a:p>
+            <a:pPr marL="316865" indent="-316865" defTabSz="1287145">
+              <a:lnSpc>
+                <a:spcPct val="81000"/>
+              </a:lnSpc>
+              <a:defRPr sz="2770"/>
+            </a:pPr>
+            <a:r>
+              <a:t>音视频播放</a:t>
+            </a:r>
+          </a:p>
+          <a:p>
+            <a:pPr marL="316865" indent="-316865" defTabSz="1287145">
+              <a:lnSpc>
+                <a:spcPct val="81000"/>
+              </a:lnSpc>
+              <a:defRPr sz="2770"/>
+            </a:pPr>
+            <a:r>
+              <a:t>录音发帖</a:t>
+            </a:r>
+          </a:p>
+          <a:p>
+            <a:pPr marL="316865" indent="-316865" defTabSz="1287145">
+              <a:lnSpc>
+                <a:spcPct val="81000"/>
+              </a:lnSpc>
+              <a:defRPr sz="2770"/>
+            </a:pPr>
+            <a:r>
+              <a:rPr lang="zh-CN">
+                <a:ea typeface="宋体" panose="02010600030101010101" pitchFamily="2" charset="-122"/>
+              </a:rPr>
+              <a:t>投票表单</a:t>
+            </a:r>
+            <a:endParaRPr lang="zh-CN">
+              <a:ea typeface="宋体" panose="02010600030101010101" pitchFamily="2" charset="-122"/>
+            </a:endParaRPr>
+          </a:p>
+          <a:p>
+            <a:pPr marL="316865" indent="-316865" defTabSz="1287145">
+              <a:lnSpc>
+                <a:spcPct val="81000"/>
+              </a:lnSpc>
+              <a:defRPr sz="2770"/>
+            </a:pPr>
+            <a:r>
+              <a:t>多主题</a:t>
+            </a:r>
+          </a:p>
+          <a:p>
+            <a:pPr marL="316865" indent="-316865" defTabSz="1287145">
+              <a:lnSpc>
+                <a:spcPct val="81000"/>
+              </a:lnSpc>
+              <a:defRPr sz="2770"/>
+            </a:pPr>
+            <a:r>
+              <a:t>多维度用户数据统计</a:t>
+            </a:r>
+          </a:p>
+          <a:p>
+            <a:pPr marL="316865" indent="-316865" defTabSz="1287145">
+              <a:lnSpc>
+                <a:spcPct val="81000"/>
+              </a:lnSpc>
+              <a:defRPr sz="2770"/>
+            </a:pPr>
+            <a:r>
+              <a:t>多语言国际化</a:t>
+            </a:r>
+          </a:p>
+          <a:p>
+            <a:pPr marL="316865" indent="-316865" defTabSz="1287145">
+              <a:lnSpc>
+                <a:spcPct val="81000"/>
+              </a:lnSpc>
+              <a:defRPr sz="2770"/>
+            </a:pPr>
+            <a:r>
+              <a:t>……</a:t>
             </a:r>
           </a:p>
         </p:txBody>
@@ -4988,7 +5160,7 @@
       </p:grpSpPr>
       <p:sp>
         <p:nvSpPr>
-          <p:cNvPr id="190" name="标题 1"/>
+          <p:cNvPr id="187" name="标题 1"/>
           <p:cNvSpPr txBox="1">
             <a:spLocks noGrp="1"/>
           </p:cNvSpPr>
@@ -5006,14 +5178,14 @@
           <a:lstStyle/>
           <a:p>
             <a:r>
-              <a:t>技术架构</a:t>
-            </a:r>
-          </a:p>
-        </p:txBody>
-      </p:sp>
-      <p:sp>
-        <p:nvSpPr>
-          <p:cNvPr id="191" name="内容占位符 2"/>
+              <a:t>环境搭建</a:t>
+            </a:r>
+          </a:p>
+        </p:txBody>
+      </p:sp>
+      <p:sp>
+        <p:nvSpPr>
+          <p:cNvPr id="188" name="内容占位符 2"/>
           <p:cNvSpPr txBox="1">
             <a:spLocks noGrp="1"/>
           </p:cNvSpPr>
@@ -5031,38 +5203,58 @@
           <a:lstStyle/>
           <a:p>
             <a:r>
-              <a:t>开发框架</a:t>
-            </a:r>
-          </a:p>
-          <a:p>
-            <a:r>
-              <a:t>MVC分层</a:t>
-            </a:r>
-          </a:p>
-          <a:p>
-            <a:r>
-              <a:t>移动端</a:t>
-            </a:r>
-          </a:p>
-          <a:p>
-            <a:r>
-              <a:t>SEO</a:t>
-            </a:r>
-          </a:p>
-          <a:p>
-            <a:r>
-              <a:t>性能优化</a:t>
-            </a:r>
-          </a:p>
-          <a:p>
-            <a:r>
-              <a:t>安全性</a:t>
-            </a:r>
-          </a:p>
-          <a:p>
-            <a:r>
-              <a:t>集群部署</a:t>
-            </a:r>
+              <a:t>JDK 8</a:t>
+            </a:r>
+          </a:p>
+          <a:p>
+            <a:r>
+              <a:t>MySQL </a:t>
+            </a:r>
+            <a:r>
+              <a:rPr lang="en-US"/>
+              <a:t>8</a:t>
+            </a:r>
+            <a:r>
+              <a:t>+</a:t>
+            </a:r>
+          </a:p>
+          <a:p>
+            <a:r>
+              <a:t>Maven</a:t>
+            </a:r>
+          </a:p>
+          <a:p/>
+          <a:p>
+            <a:pPr marL="0" indent="0">
+              <a:buSzTx/>
+              <a:buNone/>
+            </a:pPr>
+            <a:r>
+              <a:t>细节请参考</a:t>
+            </a:r>
+            <a:r>
+              <a:rPr u="sng">
+                <a:solidFill>
+                  <a:srgbClr val="0563C1"/>
+                </a:solidFill>
+                <a:uFill>
+                  <a:solidFill>
+                    <a:srgbClr val="0563C1"/>
+                  </a:solidFill>
+                </a:uFill>
+              </a:rPr>
+              <a:t>《Sym安装指南》</a:t>
+            </a:r>
+            <a:endParaRPr u="sng">
+              <a:solidFill>
+                <a:srgbClr val="0563C1"/>
+              </a:solidFill>
+              <a:uFill>
+                <a:solidFill>
+                  <a:srgbClr val="0563C1"/>
+                </a:solidFill>
+              </a:uFill>
+            </a:endParaRPr>
           </a:p>
         </p:txBody>
       </p:sp>
@@ -5218,13 +5410,13 @@
   <p:clrMapOvr>
     <a:masterClrMapping/>
   </p:clrMapOvr>
-  <mc:AlternateContent xmlns:mc="http://schemas.openxmlformats.org/markup-compatibility/2006" xmlns:p14="http://schemas.microsoft.com/office/powerpoint/2010/main">
-    <mc:Choice Requires="p14">
+  <mc:AlternateContent xmlns:mc="http://schemas.openxmlformats.org/markup-compatibility/2006">
+    <mc:Choice xmlns:p14="http://schemas.microsoft.com/office/powerpoint/2010/main" Requires="p14">
       <p:transition spd="slow" p14:dur="1500">
         <p:dissolve/>
       </p:transition>
     </mc:Choice>
-    <mc:Fallback xmlns="">
+    <mc:Fallback>
       <p:transition spd="slow">
         <p:dissolve/>
       </p:transition>
@@ -5252,7 +5444,7 @@
       </p:grpSpPr>
       <p:sp>
         <p:nvSpPr>
-          <p:cNvPr id="193" name="标题 1"/>
+          <p:cNvPr id="190" name="标题 1"/>
           <p:cNvSpPr txBox="1">
             <a:spLocks noGrp="1"/>
           </p:cNvSpPr>
@@ -5270,14 +5462,14 @@
           <a:lstStyle/>
           <a:p>
             <a:r>
-              <a:t>开发框架</a:t>
-            </a:r>
-          </a:p>
-        </p:txBody>
-      </p:sp>
-      <p:sp>
-        <p:nvSpPr>
-          <p:cNvPr id="194" name="内容占位符 2"/>
+              <a:t>技术架构</a:t>
+            </a:r>
+          </a:p>
+        </p:txBody>
+      </p:sp>
+      <p:sp>
+        <p:nvSpPr>
+          <p:cNvPr id="191" name="内容占位符 2"/>
           <p:cNvSpPr txBox="1">
             <a:spLocks noGrp="1"/>
           </p:cNvSpPr>
@@ -5295,17 +5487,37 @@
           <a:lstStyle/>
           <a:p>
             <a:r>
-              <a:t>基于Latke开发，类似SpringMVC的轻量级Servlet框架</a:t>
-            </a:r>
-          </a:p>
-          <a:p>
-            <a:r>
-              <a:t>服务端模板使用FreeMarker</a:t>
-            </a:r>
-          </a:p>
-          <a:p>
-            <a:r>
-              <a:t>前端jQuery，webpack打包</a:t>
+              <a:t>开发框架</a:t>
+            </a:r>
+          </a:p>
+          <a:p>
+            <a:r>
+              <a:t>MVC分层</a:t>
+            </a:r>
+          </a:p>
+          <a:p>
+            <a:r>
+              <a:t>移动端</a:t>
+            </a:r>
+          </a:p>
+          <a:p>
+            <a:r>
+              <a:t>SEO</a:t>
+            </a:r>
+          </a:p>
+          <a:p>
+            <a:r>
+              <a:t>性能优化</a:t>
+            </a:r>
+          </a:p>
+          <a:p>
+            <a:r>
+              <a:t>安全性</a:t>
+            </a:r>
+          </a:p>
+          <a:p>
+            <a:r>
+              <a:t>集群部署</a:t>
             </a:r>
           </a:p>
         </p:txBody>
@@ -5338,7 +5550,7 @@
       </p:grpSpPr>
       <p:sp>
         <p:nvSpPr>
-          <p:cNvPr id="196" name="标题 1"/>
+          <p:cNvPr id="193" name="标题 1"/>
           <p:cNvSpPr txBox="1">
             <a:spLocks noGrp="1"/>
           </p:cNvSpPr>
@@ -5356,14 +5568,14 @@
           <a:lstStyle/>
           <a:p>
             <a:r>
-              <a:t>MVC分层</a:t>
-            </a:r>
-          </a:p>
-        </p:txBody>
-      </p:sp>
-      <p:sp>
-        <p:nvSpPr>
-          <p:cNvPr id="197" name="内容占位符 2"/>
+              <a:t>开发框架</a:t>
+            </a:r>
+          </a:p>
+        </p:txBody>
+      </p:sp>
+      <p:sp>
+        <p:nvSpPr>
+          <p:cNvPr id="194" name="内容占位符 2"/>
           <p:cNvSpPr txBox="1">
             <a:spLocks noGrp="1"/>
           </p:cNvSpPr>
@@ -5381,17 +5593,24 @@
           <a:lstStyle/>
           <a:p>
             <a:r>
-              <a:t>Processor控制器层，处理AJAX、PJAX、页面渲染</a:t>
-            </a:r>
-          </a:p>
-          <a:p>
-            <a:r>
-              <a:t>Service服务层，所有交互操作基本都封装在内，兼顾复用与扩展</a:t>
-            </a:r>
-          </a:p>
-          <a:p>
-            <a:r>
-              <a:t>Repository数据访问层，处理JSON数据存取</a:t>
+              <a:t>基于Latke开发，类似SpringMVC的轻量级 </a:t>
+            </a:r>
+            <a:r>
+              <a:rPr lang="en-US"/>
+              <a:t>Web </a:t>
+            </a:r>
+            <a:r>
+              <a:t>框架</a:t>
+            </a:r>
+          </a:p>
+          <a:p>
+            <a:r>
+              <a:t>服务端模板使用FreeMarker</a:t>
+            </a:r>
+          </a:p>
+          <a:p>
+            <a:r>
+              <a:t>前端jQuery，webpack打包</a:t>
             </a:r>
           </a:p>
         </p:txBody>
@@ -5424,7 +5643,7 @@
       </p:grpSpPr>
       <p:sp>
         <p:nvSpPr>
-          <p:cNvPr id="199" name="标题 1"/>
+          <p:cNvPr id="196" name="标题 1"/>
           <p:cNvSpPr txBox="1">
             <a:spLocks noGrp="1"/>
           </p:cNvSpPr>
@@ -5442,14 +5661,14 @@
           <a:lstStyle/>
           <a:p>
             <a:r>
-              <a:t>移动端</a:t>
-            </a:r>
-          </a:p>
-        </p:txBody>
-      </p:sp>
-      <p:sp>
-        <p:nvSpPr>
-          <p:cNvPr id="200" name="内容占位符 2"/>
+              <a:t>MVC分层</a:t>
+            </a:r>
+          </a:p>
+        </p:txBody>
+      </p:sp>
+      <p:sp>
+        <p:nvSpPr>
+          <p:cNvPr id="197" name="内容占位符 2"/>
           <p:cNvSpPr txBox="1">
             <a:spLocks noGrp="1"/>
           </p:cNvSpPr>
@@ -5467,12 +5686,17 @@
           <a:lstStyle/>
           <a:p>
             <a:r>
-              <a:t>单独一套模板进行渲染</a:t>
-            </a:r>
-          </a:p>
-          <a:p>
-            <a:r>
-              <a:t>支持PWA</a:t>
+              <a:t>Processor控制器层，处理AJAX、PJAX、页面渲染</a:t>
+            </a:r>
+          </a:p>
+          <a:p>
+            <a:r>
+              <a:t>Service服务层，所有交互操作基本都封装在内，兼顾复用与扩展</a:t>
+            </a:r>
+          </a:p>
+          <a:p>
+            <a:r>
+              <a:t>Repository数据访问层，处理JSON数据存取</a:t>
             </a:r>
           </a:p>
         </p:txBody>
@@ -5505,7 +5729,7 @@
       </p:grpSpPr>
       <p:sp>
         <p:nvSpPr>
-          <p:cNvPr id="202" name="标题 1"/>
+          <p:cNvPr id="199" name="标题 1"/>
           <p:cNvSpPr txBox="1">
             <a:spLocks noGrp="1"/>
           </p:cNvSpPr>
@@ -5523,14 +5747,14 @@
           <a:lstStyle/>
           <a:p>
             <a:r>
-              <a:t>SEO	</a:t>
-            </a:r>
-          </a:p>
-        </p:txBody>
-      </p:sp>
-      <p:sp>
-        <p:nvSpPr>
-          <p:cNvPr id="203" name="内容占位符 2"/>
+              <a:t>移动端</a:t>
+            </a:r>
+          </a:p>
+        </p:txBody>
+      </p:sp>
+      <p:sp>
+        <p:nvSpPr>
+          <p:cNvPr id="200" name="内容占位符 2"/>
           <p:cNvSpPr txBox="1">
             <a:spLocks noGrp="1"/>
           </p:cNvSpPr>
@@ -5548,12 +5772,12 @@
           <a:lstStyle/>
           <a:p>
             <a:r>
-              <a:t>合理的URL、DOM</a:t>
-            </a:r>
-          </a:p>
-          <a:p>
-            <a:r>
-              <a:t>所有链接精准设置rel</a:t>
+              <a:t>单独一套模板进行渲染</a:t>
+            </a:r>
+          </a:p>
+          <a:p>
+            <a:r>
+              <a:t>支持PWA</a:t>
             </a:r>
           </a:p>
         </p:txBody>
@@ -5586,7 +5810,7 @@
       </p:grpSpPr>
       <p:sp>
         <p:nvSpPr>
-          <p:cNvPr id="205" name="标题 1"/>
+          <p:cNvPr id="202" name="标题 1"/>
           <p:cNvSpPr txBox="1">
             <a:spLocks noGrp="1"/>
           </p:cNvSpPr>
@@ -5604,14 +5828,14 @@
           <a:lstStyle/>
           <a:p>
             <a:r>
-              <a:t>性能优化</a:t>
-            </a:r>
-          </a:p>
-        </p:txBody>
-      </p:sp>
-      <p:sp>
-        <p:nvSpPr>
-          <p:cNvPr id="206" name="内容占位符 2"/>
+              <a:t>SEO	</a:t>
+            </a:r>
+          </a:p>
+        </p:txBody>
+      </p:sp>
+      <p:sp>
+        <p:nvSpPr>
+          <p:cNvPr id="203" name="内容占位符 2"/>
           <p:cNvSpPr txBox="1">
             <a:spLocks noGrp="1"/>
           </p:cNvSpPr>
@@ -5629,33 +5853,36 @@
           <a:lstStyle/>
           <a:p>
             <a:r>
-              <a:t>SQL零join</a:t>
-            </a:r>
-          </a:p>
-          <a:p>
-            <a:r>
-              <a:t>热数据缓存</a:t>
-            </a:r>
-          </a:p>
-          <a:p>
-            <a:r>
-              <a:t>支持Redis或内存缓存</a:t>
-            </a:r>
-          </a:p>
-          <a:p>
-            <a:r>
-              <a:t>后端耗时埋点与性能监控日志</a:t>
-            </a:r>
-          </a:p>
-          <a:p>
-            <a:r>
-              <a:t>前端按需加载图片、JS</a:t>
-            </a:r>
-          </a:p>
-          <a:p>
-            <a:r>
-              <a:t>前端Service Worker缓存</a:t>
-            </a:r>
+              <a:t>合理的URL、DOM</a:t>
+            </a:r>
+          </a:p>
+          <a:p>
+            <a:r>
+              <a:t>所有链接精准设置rel</a:t>
+            </a:r>
+          </a:p>
+          <a:p>
+            <a:r>
+              <a:rPr lang="zh-CN">
+                <a:ea typeface="宋体" panose="02010600030101010101" pitchFamily="2" charset="-122"/>
+              </a:rPr>
+              <a:t>结构化数据（</a:t>
+            </a:r>
+            <a:r>
+              <a:rPr lang="en-US" altLang="zh-CN">
+                <a:ea typeface="宋体" panose="02010600030101010101" pitchFamily="2" charset="-122"/>
+              </a:rPr>
+              <a:t>JSON-LD</a:t>
+            </a:r>
+            <a:r>
+              <a:rPr lang="zh-CN" altLang="en-US">
+                <a:ea typeface="宋体" panose="02010600030101010101" pitchFamily="2" charset="-122"/>
+              </a:rPr>
+              <a:t>）</a:t>
+            </a:r>
+            <a:endParaRPr lang="zh-CN" altLang="en-US">
+              <a:ea typeface="宋体" panose="02010600030101010101" pitchFamily="2" charset="-122"/>
+            </a:endParaRPr>
           </a:p>
         </p:txBody>
       </p:sp>
@@ -5687,7 +5914,7 @@
       </p:grpSpPr>
       <p:sp>
         <p:nvSpPr>
-          <p:cNvPr id="208" name="标题 1"/>
+          <p:cNvPr id="205" name="标题 1"/>
           <p:cNvSpPr txBox="1">
             <a:spLocks noGrp="1"/>
           </p:cNvSpPr>
@@ -5705,14 +5932,14 @@
           <a:lstStyle/>
           <a:p>
             <a:r>
-              <a:t>安全性</a:t>
-            </a:r>
-          </a:p>
-        </p:txBody>
-      </p:sp>
-      <p:sp>
-        <p:nvSpPr>
-          <p:cNvPr id="209" name="内容占位符 2"/>
+              <a:t>性能优化</a:t>
+            </a:r>
+          </a:p>
+        </p:txBody>
+      </p:sp>
+      <p:sp>
+        <p:nvSpPr>
+          <p:cNvPr id="206" name="内容占位符 2"/>
           <p:cNvSpPr txBox="1">
             <a:spLocks noGrp="1"/>
           </p:cNvSpPr>
@@ -5730,22 +5957,38 @@
           <a:lstStyle/>
           <a:p>
             <a:r>
-              <a:t>全面防御XSS、CSRF</a:t>
-            </a:r>
-          </a:p>
-          <a:p>
-            <a:r>
-              <a:t>内置CC攻击过滤</a:t>
-            </a:r>
-          </a:p>
-          <a:p>
-            <a:r>
-              <a:t>支持敏感词配置</a:t>
-            </a:r>
-          </a:p>
-          <a:p>
-            <a:r>
-              <a:t>可接入微信提供的内容安全校验接口</a:t>
+              <a:rPr lang="zh-CN">
+                <a:ea typeface="宋体" panose="02010600030101010101" pitchFamily="2" charset="-122"/>
+              </a:rPr>
+              <a:t>尽量避免</a:t>
+            </a:r>
+            <a:r>
+              <a:t>SQL join</a:t>
+            </a:r>
+          </a:p>
+          <a:p>
+            <a:r>
+              <a:t>热数据缓存</a:t>
+            </a:r>
+          </a:p>
+          <a:p>
+            <a:r>
+              <a:t>支持Redis或内存缓存</a:t>
+            </a:r>
+          </a:p>
+          <a:p>
+            <a:r>
+              <a:t>后端耗时埋点与性能监控日志</a:t>
+            </a:r>
+          </a:p>
+          <a:p>
+            <a:r>
+              <a:t>前端按需加载图片、JS</a:t>
+            </a:r>
+          </a:p>
+          <a:p>
+            <a:r>
+              <a:t>前端Service Worker缓存</a:t>
             </a:r>
           </a:p>
         </p:txBody>
@@ -5778,6 +6021,97 @@
       </p:grpSpPr>
       <p:sp>
         <p:nvSpPr>
+          <p:cNvPr id="208" name="标题 1"/>
+          <p:cNvSpPr txBox="1">
+            <a:spLocks noGrp="1"/>
+          </p:cNvSpPr>
+          <p:nvPr>
+            <p:ph type="title"/>
+          </p:nvPr>
+        </p:nvSpPr>
+        <p:spPr>
+          <a:prstGeom prst="rect">
+            <a:avLst/>
+          </a:prstGeom>
+        </p:spPr>
+        <p:txBody>
+          <a:bodyPr/>
+          <a:lstStyle/>
+          <a:p>
+            <a:r>
+              <a:t>安全性</a:t>
+            </a:r>
+          </a:p>
+        </p:txBody>
+      </p:sp>
+      <p:sp>
+        <p:nvSpPr>
+          <p:cNvPr id="209" name="内容占位符 2"/>
+          <p:cNvSpPr txBox="1">
+            <a:spLocks noGrp="1"/>
+          </p:cNvSpPr>
+          <p:nvPr>
+            <p:ph type="body" idx="1"/>
+          </p:nvPr>
+        </p:nvSpPr>
+        <p:spPr>
+          <a:prstGeom prst="rect">
+            <a:avLst/>
+          </a:prstGeom>
+        </p:spPr>
+        <p:txBody>
+          <a:bodyPr/>
+          <a:lstStyle/>
+          <a:p>
+            <a:r>
+              <a:t>全面防御XSS、CSRF</a:t>
+            </a:r>
+          </a:p>
+          <a:p>
+            <a:r>
+              <a:t>内置CC攻击过滤</a:t>
+            </a:r>
+          </a:p>
+          <a:p>
+            <a:r>
+              <a:t>支持敏感词配置</a:t>
+            </a:r>
+          </a:p>
+          <a:p>
+            <a:r>
+              <a:t>可接入微信提供的内容安全校验接口</a:t>
+            </a:r>
+          </a:p>
+        </p:txBody>
+      </p:sp>
+    </p:spTree>
+  </p:cSld>
+  <p:clrMapOvr>
+    <a:masterClrMapping/>
+  </p:clrMapOvr>
+  <p:transition spd="med"/>
+</p:sld>
+</file>
+
+<file path=ppt/slides/slide27.xml><?xml version="1.0" encoding="utf-8"?>
+<p:sld xmlns:a="http://schemas.openxmlformats.org/drawingml/2006/main" xmlns:r="http://schemas.openxmlformats.org/officeDocument/2006/relationships" xmlns:p="http://schemas.openxmlformats.org/presentationml/2006/main">
+  <p:cSld>
+    <p:spTree>
+      <p:nvGrpSpPr>
+        <p:cNvPr id="1" name=""/>
+        <p:cNvGrpSpPr/>
+        <p:nvPr/>
+      </p:nvGrpSpPr>
+      <p:grpSpPr>
+        <a:xfrm>
+          <a:off x="0" y="0"/>
+          <a:ext cx="0" cy="0"/>
+          <a:chOff x="0" y="0"/>
+          <a:chExt cx="0" cy="0"/>
+        </a:xfrm>
+      </p:grpSpPr>
+      <p:sp>
+        <p:nvSpPr>
           <p:cNvPr id="211" name="标题 1"/>
           <p:cNvSpPr txBox="1">
             <a:spLocks noGrp="1"/>
@@ -5998,20 +6332,25 @@
           <a:lstStyle/>
           <a:p>
             <a:r>
-              <a:t>汇桔网 </a:t>
-            </a:r>
-            <a:r>
-              <a:rPr u="sng">
-                <a:solidFill>
-                  <a:srgbClr val="0563C1"/>
-                </a:solidFill>
-                <a:uFill>
-                  <a:solidFill>
-                    <a:srgbClr val="0563C1"/>
-                  </a:solidFill>
-                </a:uFill>
+              <a:rPr lang="zh-CN">
+                <a:ea typeface="宋体" panose="02010600030101010101" pitchFamily="2" charset="-122"/>
               </a:rPr>
-              <a:t>https://bbs.wtoip.com</a:t>
+              <a:t>快递</a:t>
+            </a:r>
+            <a:r>
+              <a:rPr lang="en-US" altLang="zh-CN">
+                <a:ea typeface="宋体" panose="02010600030101010101" pitchFamily="2" charset="-122"/>
+              </a:rPr>
+              <a:t>100</a:t>
+            </a:r>
+            <a:r>
+              <a:t> </a:t>
+            </a:r>
+            <a:r>
+              <a:rPr>
+                <a:hlinkClick r:id="rId1" tooltip="" action="ppaction://hlinkfile"/>
+              </a:rPr>
+              <a:t>https://bbs.kuaidi100.com</a:t>
             </a:r>
           </a:p>
           <a:p>
@@ -6042,6 +6381,16 @@
               </a:rPr>
               <a:t>http://c.raqsoft.com.cn</a:t>
             </a:r>
+            <a:endParaRPr u="sng">
+              <a:solidFill>
+                <a:srgbClr val="0563C1"/>
+              </a:solidFill>
+              <a:uFill>
+                <a:solidFill>
+                  <a:srgbClr val="0563C1"/>
+                </a:solidFill>
+              </a:uFill>
+            </a:endParaRPr>
           </a:p>
           <a:p>
             <a:r>
@@ -6063,35 +6412,59 @@
           </a:p>
           <a:p>
             <a:r>
-              <a:t>GeeCall极客社区 </a:t>
+              <a:t>深圳金蝶 </a:t>
             </a:r>
             <a:r>
               <a:rPr>
-                <a:hlinkClick r:id="rId4"/>
-              </a:rPr>
-              <a:t>http://geecall.com</a:t>
-            </a:r>
-          </a:p>
-          <a:p>
-            <a:r>
-              <a:t>深圳平安（在建中，三村晖教育平台社区）</a:t>
-            </a:r>
-          </a:p>
-          <a:p>
-            <a:r>
-              <a:t>深圳金蝶 </a:t>
-            </a:r>
-            <a:r>
-              <a:rPr>
-                <a:hlinkClick r:id="rId5" action="ppaction://hlinkfile"/>
+                <a:hlinkClick r:id="rId4" tooltip="" action="ppaction://hlinkfile"/>
               </a:rPr>
               <a:t>https://cs.jdy.com</a:t>
             </a:r>
           </a:p>
           <a:p>
             <a:r>
-              <a:t>……</a:t>
-            </a:r>
+              <a:rPr lang="zh-CN" altLang="en-US">
+                <a:ea typeface="宋体" panose="02010600030101010101" pitchFamily="2" charset="-122"/>
+              </a:rPr>
+              <a:t>某银行集团（</a:t>
+            </a:r>
+            <a:r>
+              <a:rPr lang="en-US" altLang="zh-CN">
+                <a:ea typeface="宋体" panose="02010600030101010101" pitchFamily="2" charset="-122"/>
+                <a:sym typeface="+mn-ea"/>
+              </a:rPr>
+              <a:t>8</a:t>
+            </a:r>
+            <a:r>
+              <a:rPr lang="zh-CN" altLang="en-US">
+                <a:ea typeface="宋体" panose="02010600030101010101" pitchFamily="2" charset="-122"/>
+                <a:sym typeface="+mn-ea"/>
+              </a:rPr>
+              <a:t>万</a:t>
+            </a:r>
+            <a:r>
+              <a:rPr lang="en-US" altLang="zh-CN">
+                <a:ea typeface="宋体" panose="02010600030101010101" pitchFamily="2" charset="-122"/>
+                <a:sym typeface="+mn-ea"/>
+              </a:rPr>
+              <a:t>+</a:t>
+            </a:r>
+            <a:r>
+              <a:rPr lang="zh-CN" altLang="en-US">
+                <a:ea typeface="宋体" panose="02010600030101010101" pitchFamily="2" charset="-122"/>
+                <a:sym typeface="+mn-ea"/>
+              </a:rPr>
+              <a:t>员工）</a:t>
+            </a:r>
+            <a:r>
+              <a:rPr lang="zh-CN" altLang="en-US">
+                <a:ea typeface="宋体" panose="02010600030101010101" pitchFamily="2" charset="-122"/>
+              </a:rPr>
+              <a:t>内网论坛</a:t>
+            </a:r>
+            <a:endParaRPr lang="zh-CN" altLang="en-US">
+              <a:ea typeface="宋体" panose="02010600030101010101" pitchFamily="2" charset="-122"/>
+            </a:endParaRPr>
           </a:p>
         </p:txBody>
       </p:sp>
@@ -6197,7 +6570,27 @@
               <a:defRPr sz="2200"/>
             </a:pPr>
             <a:r>
-              <a:t>贡献系统（用户角色与权限）</a:t>
+              <a:t>贡献系统（用户角色与</a:t>
+            </a:r>
+            <a:r>
+              <a:rPr lang="zh-CN">
+                <a:ea typeface="宋体" panose="02010600030101010101" pitchFamily="2" charset="-122"/>
+              </a:rPr>
+              <a:t>功能级</a:t>
+            </a:r>
+            <a:r>
+              <a:t>权限）</a:t>
+            </a:r>
+          </a:p>
+          <a:p>
+            <a:pPr marL="314325" indent="-314325">
+              <a:defRPr sz="2200"/>
+            </a:pPr>
+            <a:r>
+              <a:rPr lang="zh-CN">
+                <a:ea typeface="宋体" panose="02010600030101010101" pitchFamily="2" charset="-122"/>
+              </a:rPr>
+              <a:t>主持人系统（版主，数据级权限）</a:t>
             </a:r>
           </a:p>
           <a:p>
@@ -6329,7 +6722,16 @@
           <a:lstStyle/>
           <a:p>
             <a:r>
-              <a:t>大部分操作消耗积分（防止垃圾内容）</a:t>
+              <a:t>大部分操作消耗积分（防止垃圾内容</a:t>
+            </a:r>
+            <a:r>
+              <a:rPr lang="zh-CN">
+                <a:ea typeface="宋体" panose="02010600030101010101" pitchFamily="2" charset="-122"/>
+              </a:rPr>
+              <a:t>，促使用户创造有价值的内容</a:t>
+            </a:r>
+            <a:r>
+              <a:t>）</a:t>
             </a:r>
           </a:p>
           <a:p>
@@ -6612,7 +7014,7 @@
 </file>
 
 <file path=ppt/tags/tag1.xml><?xml version="1.0" encoding="utf-8"?>
-<p:tagLst xmlns:a="http://schemas.openxmlformats.org/drawingml/2006/main" xmlns:r="http://schemas.openxmlformats.org/officeDocument/2006/relationships" xmlns:p="http://schemas.openxmlformats.org/presentationml/2006/main">
+<p:tagLst xmlns:p="http://schemas.openxmlformats.org/presentationml/2006/main">
   <p:tag name="KSO_WM_DOC_GUID" val="{fceee0d5-dd62-4a8f-8d5e-b465a83cc8a5}"/>
 </p:tagLst>
 </file>
@@ -7682,7 +8084,6 @@
       </a:style>
     </a:txDef>
   </a:objectDefaults>
-  <a:extraClrSchemeLst/>
   <a:extLst>
     <a:ext uri="{05A4C25C-085E-4340-85A3-A5531E510DB2}">
       <thm15:themeFamily xmlns:thm15="http://schemas.microsoft.com/office/thememl/2012/main" name="Office Theme" id="{62F939B6-93AF-4DB8-9C6B-D6C7DFDC589F}" vid="{4A3C46E8-61CC-4603-A589-7422A47A8E4A}"/>
@@ -8756,7 +9157,6 @@
       </a:style>
     </a:txDef>
   </a:objectDefaults>
-  <a:extraClrSchemeLst/>
   <a:extLst>
     <a:ext uri="{05A4C25C-085E-4340-85A3-A5531E510DB2}">
       <thm15:themeFamily xmlns:thm15="http://schemas.microsoft.com/office/thememl/2012/main" name="Office Theme" id="{62F939B6-93AF-4DB8-9C6B-D6C7DFDC589F}" vid="{4A3C46E8-61CC-4603-A589-7422A47A8E4A}"/>
